--- a/Kukso Run Reconstruction model.pptx
+++ b/Kukso Run Reconstruction model.pptx
@@ -226,7 +226,7 @@
           <a:p>
             <a:fld id="{FCD4F568-2BDF-4F44-896F-42C38DEEAA30}" type="datetimeFigureOut">
               <a:rPr lang="en-US" smtClean="0"/>
-              <a:t>10/25/2024</a:t>
+              <a:t>10/28/2024</a:t>
             </a:fld>
             <a:endParaRPr lang="en-US"/>
           </a:p>
@@ -1182,7 +1182,7 @@
           <a:p>
             <a:fld id="{6DB52A8B-E27E-46C0-A9F2-6E1A4EF2255B}" type="datetimeFigureOut">
               <a:rPr lang="en-US" smtClean="0"/>
-              <a:t>10/25/2024</a:t>
+              <a:t>10/28/2024</a:t>
             </a:fld>
             <a:endParaRPr lang="en-US"/>
           </a:p>
@@ -1350,7 +1350,7 @@
           <a:p>
             <a:fld id="{6DB52A8B-E27E-46C0-A9F2-6E1A4EF2255B}" type="datetimeFigureOut">
               <a:rPr lang="en-US" smtClean="0"/>
-              <a:t>10/25/2024</a:t>
+              <a:t>10/28/2024</a:t>
             </a:fld>
             <a:endParaRPr lang="en-US"/>
           </a:p>
@@ -1528,7 +1528,7 @@
           <a:p>
             <a:fld id="{6DB52A8B-E27E-46C0-A9F2-6E1A4EF2255B}" type="datetimeFigureOut">
               <a:rPr lang="en-US" smtClean="0"/>
-              <a:t>10/25/2024</a:t>
+              <a:t>10/28/2024</a:t>
             </a:fld>
             <a:endParaRPr lang="en-US"/>
           </a:p>
@@ -1696,7 +1696,7 @@
           <a:p>
             <a:fld id="{6DB52A8B-E27E-46C0-A9F2-6E1A4EF2255B}" type="datetimeFigureOut">
               <a:rPr lang="en-US" smtClean="0"/>
-              <a:t>10/25/2024</a:t>
+              <a:t>10/28/2024</a:t>
             </a:fld>
             <a:endParaRPr lang="en-US"/>
           </a:p>
@@ -1941,7 +1941,7 @@
           <a:p>
             <a:fld id="{6DB52A8B-E27E-46C0-A9F2-6E1A4EF2255B}" type="datetimeFigureOut">
               <a:rPr lang="en-US" smtClean="0"/>
-              <a:t>10/25/2024</a:t>
+              <a:t>10/28/2024</a:t>
             </a:fld>
             <a:endParaRPr lang="en-US"/>
           </a:p>
@@ -2226,7 +2226,7 @@
           <a:p>
             <a:fld id="{6DB52A8B-E27E-46C0-A9F2-6E1A4EF2255B}" type="datetimeFigureOut">
               <a:rPr lang="en-US" smtClean="0"/>
-              <a:t>10/25/2024</a:t>
+              <a:t>10/28/2024</a:t>
             </a:fld>
             <a:endParaRPr lang="en-US"/>
           </a:p>
@@ -2645,7 +2645,7 @@
           <a:p>
             <a:fld id="{6DB52A8B-E27E-46C0-A9F2-6E1A4EF2255B}" type="datetimeFigureOut">
               <a:rPr lang="en-US" smtClean="0"/>
-              <a:t>10/25/2024</a:t>
+              <a:t>10/28/2024</a:t>
             </a:fld>
             <a:endParaRPr lang="en-US"/>
           </a:p>
@@ -2762,7 +2762,7 @@
           <a:p>
             <a:fld id="{6DB52A8B-E27E-46C0-A9F2-6E1A4EF2255B}" type="datetimeFigureOut">
               <a:rPr lang="en-US" smtClean="0"/>
-              <a:t>10/25/2024</a:t>
+              <a:t>10/28/2024</a:t>
             </a:fld>
             <a:endParaRPr lang="en-US"/>
           </a:p>
@@ -2857,7 +2857,7 @@
           <a:p>
             <a:fld id="{6DB52A8B-E27E-46C0-A9F2-6E1A4EF2255B}" type="datetimeFigureOut">
               <a:rPr lang="en-US" smtClean="0"/>
-              <a:t>10/25/2024</a:t>
+              <a:t>10/28/2024</a:t>
             </a:fld>
             <a:endParaRPr lang="en-US"/>
           </a:p>
@@ -3132,7 +3132,7 @@
           <a:p>
             <a:fld id="{6DB52A8B-E27E-46C0-A9F2-6E1A4EF2255B}" type="datetimeFigureOut">
               <a:rPr lang="en-US" smtClean="0"/>
-              <a:t>10/25/2024</a:t>
+              <a:t>10/28/2024</a:t>
             </a:fld>
             <a:endParaRPr lang="en-US"/>
           </a:p>
@@ -3384,7 +3384,7 @@
           <a:p>
             <a:fld id="{6DB52A8B-E27E-46C0-A9F2-6E1A4EF2255B}" type="datetimeFigureOut">
               <a:rPr lang="en-US" smtClean="0"/>
-              <a:t>10/25/2024</a:t>
+              <a:t>10/28/2024</a:t>
             </a:fld>
             <a:endParaRPr lang="en-US"/>
           </a:p>
@@ -3595,7 +3595,7 @@
           <a:p>
             <a:fld id="{6DB52A8B-E27E-46C0-A9F2-6E1A4EF2255B}" type="datetimeFigureOut">
               <a:rPr lang="en-US" smtClean="0"/>
-              <a:t>10/25/2024</a:t>
+              <a:t>10/28/2024</a:t>
             </a:fld>
             <a:endParaRPr lang="en-US"/>
           </a:p>
@@ -4112,949 +4112,994 @@
           </a:p>
         </p:txBody>
       </p:sp>
-      <p:sp>
-        <p:nvSpPr>
-          <p:cNvPr id="30" name="TextBox 29"/>
-          <p:cNvSpPr txBox="1"/>
+      <p:grpSp>
+        <p:nvGrpSpPr>
+          <p:cNvPr id="4" name="Group 3">
+            <a:extLst>
+              <a:ext uri="{FF2B5EF4-FFF2-40B4-BE49-F238E27FC236}">
+                <a16:creationId xmlns:a16="http://schemas.microsoft.com/office/drawing/2014/main" id="{06CDC7DE-8060-0021-E788-C11AD0795C18}"/>
+              </a:ext>
+            </a:extLst>
+          </p:cNvPr>
+          <p:cNvGrpSpPr/>
           <p:nvPr/>
-        </p:nvSpPr>
-        <p:spPr>
+        </p:nvGrpSpPr>
+        <p:grpSpPr>
           <a:xfrm>
-            <a:off x="6862880" y="2198904"/>
-            <a:ext cx="1981200" cy="646331"/>
+            <a:off x="320163" y="1016469"/>
+            <a:ext cx="8710499" cy="5514930"/>
+            <a:chOff x="320163" y="1016469"/>
+            <a:chExt cx="8710499" cy="5514930"/>
           </a:xfrm>
-          <a:prstGeom prst="rect">
-            <a:avLst/>
-          </a:prstGeom>
-          <a:noFill/>
-          <a:ln w="19050">
+        </p:grpSpPr>
+        <p:sp>
+          <p:nvSpPr>
+            <p:cNvPr id="105" name="Rectangle 104"/>
+            <p:cNvSpPr/>
+            <p:nvPr/>
+          </p:nvSpPr>
+          <p:spPr>
+            <a:xfrm>
+              <a:off x="7932094" y="2979138"/>
+              <a:ext cx="1098568" cy="369332"/>
+            </a:xfrm>
+            <a:prstGeom prst="rect">
+              <a:avLst/>
+            </a:prstGeom>
             <a:solidFill>
-              <a:schemeClr val="tx1"/>
+              <a:schemeClr val="bg1"/>
             </a:solidFill>
-            <a:prstDash val="dash"/>
-          </a:ln>
-        </p:spPr>
-        <p:txBody>
-          <a:bodyPr wrap="square" rtlCol="0">
-            <a:spAutoFit/>
-          </a:bodyPr>
-          <a:lstStyle/>
-          <a:p>
-            <a:r>
-              <a:rPr lang="en-US" dirty="0"/>
-              <a:t>Kuskokwim Escapement (</a:t>
-            </a:r>
-            <a:r>
-              <a:rPr lang="en-US" dirty="0" err="1"/>
-              <a:t>E</a:t>
-            </a:r>
-            <a:r>
-              <a:rPr lang="en-US" baseline="-25000" dirty="0" err="1"/>
-              <a:t>y</a:t>
-            </a:r>
-            <a:r>
-              <a:rPr lang="en-US" dirty="0"/>
-              <a:t>)</a:t>
-            </a:r>
-          </a:p>
-        </p:txBody>
-      </p:sp>
-      <p:sp>
-        <p:nvSpPr>
-          <p:cNvPr id="63" name="TextBox 62"/>
-          <p:cNvSpPr txBox="1"/>
-          <p:nvPr/>
-        </p:nvSpPr>
-        <p:spPr>
-          <a:xfrm>
-            <a:off x="5807155" y="3304172"/>
-            <a:ext cx="3016682" cy="3170099"/>
-          </a:xfrm>
-          <a:prstGeom prst="rect">
-            <a:avLst/>
-          </a:prstGeom>
-          <a:noFill/>
-          <a:ln w="19050">
-            <a:solidFill>
-              <a:schemeClr val="tx1"/>
-            </a:solidFill>
-          </a:ln>
-        </p:spPr>
-        <p:txBody>
-          <a:bodyPr wrap="square" rtlCol="0">
-            <a:spAutoFit/>
-          </a:bodyPr>
-          <a:lstStyle/>
-          <a:p>
-            <a:r>
-              <a:rPr lang="en-US" sz="1600" dirty="0"/>
-              <a:t>Escapements (</a:t>
-            </a:r>
-            <a:r>
-              <a:rPr lang="en-US" sz="1600" dirty="0" err="1"/>
-              <a:t>e</a:t>
-            </a:r>
-            <a:r>
-              <a:rPr lang="en-US" sz="1600" baseline="-25000" dirty="0" err="1"/>
-              <a:t>i,j</a:t>
-            </a:r>
-            <a:r>
-              <a:rPr lang="en-US" sz="1600" dirty="0"/>
-              <a:t>) </a:t>
-            </a:r>
-          </a:p>
-          <a:p>
-            <a:r>
-              <a:rPr lang="en-US" sz="1600" dirty="0"/>
-              <a:t>Aerial                    Weir</a:t>
-            </a:r>
-          </a:p>
-          <a:p>
-            <a:r>
-              <a:rPr lang="en-US" sz="1400" b="1" dirty="0" err="1"/>
-              <a:t>Kwethluk</a:t>
-            </a:r>
-            <a:r>
-              <a:rPr lang="en-US" sz="1400" dirty="0"/>
-              <a:t>	            </a:t>
-            </a:r>
-            <a:r>
-              <a:rPr lang="en-US" sz="1400" b="1" dirty="0" err="1"/>
-              <a:t>Kwethluk</a:t>
-            </a:r>
-            <a:endParaRPr lang="en-US" sz="1400" b="1" dirty="0"/>
-          </a:p>
-          <a:p>
-            <a:r>
-              <a:rPr lang="en-US" sz="1400" dirty="0" err="1"/>
-              <a:t>Kisaralik</a:t>
-            </a:r>
-            <a:r>
-              <a:rPr lang="en-US" sz="1400" dirty="0"/>
-              <a:t>                    </a:t>
-            </a:r>
-            <a:r>
-              <a:rPr lang="en-US" sz="1400" b="1" dirty="0" err="1"/>
-              <a:t>Tuluksak</a:t>
-            </a:r>
-            <a:endParaRPr lang="en-US" sz="1400" b="1" dirty="0"/>
-          </a:p>
-          <a:p>
-            <a:r>
-              <a:rPr lang="en-US" sz="1400" b="1" dirty="0" err="1"/>
-              <a:t>Tuluksak</a:t>
-            </a:r>
-            <a:r>
-              <a:rPr lang="en-US" sz="1400" b="1" dirty="0"/>
-              <a:t>  </a:t>
-            </a:r>
-            <a:r>
-              <a:rPr lang="en-US" sz="1400" dirty="0"/>
-              <a:t>                  George</a:t>
-            </a:r>
-          </a:p>
-          <a:p>
-            <a:r>
-              <a:rPr lang="en-US" sz="1400" dirty="0" err="1"/>
-              <a:t>Aniak</a:t>
-            </a:r>
-            <a:r>
-              <a:rPr lang="en-US" sz="1400" dirty="0"/>
-              <a:t> : salmon         </a:t>
-            </a:r>
-            <a:r>
-              <a:rPr lang="en-US" sz="1400" dirty="0" err="1"/>
-              <a:t>Kogrukluk</a:t>
-            </a:r>
-            <a:endParaRPr lang="en-US" sz="1400" dirty="0"/>
-          </a:p>
-          <a:p>
-            <a:r>
-              <a:rPr lang="en-US" sz="1400" dirty="0" err="1"/>
-              <a:t>Holokuk</a:t>
-            </a:r>
-            <a:r>
-              <a:rPr lang="en-US" sz="1400" dirty="0"/>
-              <a:t>                    </a:t>
-            </a:r>
-            <a:r>
-              <a:rPr lang="en-US" sz="1400" dirty="0" err="1"/>
-              <a:t>Tatlawiksuk</a:t>
-            </a:r>
-            <a:endParaRPr lang="en-US" sz="1400" dirty="0"/>
-          </a:p>
-          <a:p>
-            <a:r>
-              <a:rPr lang="en-US" sz="1400" dirty="0" err="1"/>
-              <a:t>Oskawalik</a:t>
-            </a:r>
-            <a:r>
-              <a:rPr lang="en-US" sz="1400" dirty="0"/>
-              <a:t>                 </a:t>
-            </a:r>
-            <a:r>
-              <a:rPr lang="en-US" sz="1400" dirty="0" err="1"/>
-              <a:t>Takotna</a:t>
-            </a:r>
-            <a:endParaRPr lang="en-US" sz="1400" dirty="0"/>
-          </a:p>
-          <a:p>
-            <a:r>
-              <a:rPr lang="en-US" sz="1400" dirty="0" err="1"/>
-              <a:t>Holitna</a:t>
-            </a:r>
-            <a:endParaRPr lang="en-US" sz="1400" dirty="0"/>
-          </a:p>
-          <a:p>
-            <a:r>
-              <a:rPr lang="en-US" sz="1400" dirty="0" err="1"/>
-              <a:t>Cheeneetnuk</a:t>
-            </a:r>
-            <a:endParaRPr lang="en-US" sz="1400" dirty="0"/>
-          </a:p>
-          <a:p>
-            <a:r>
-              <a:rPr lang="en-US" sz="1400" dirty="0" err="1"/>
-              <a:t>Gagaryah</a:t>
-            </a:r>
-            <a:endParaRPr lang="en-US" sz="1400" dirty="0"/>
-          </a:p>
-          <a:p>
-            <a:r>
-              <a:rPr lang="en-US" sz="1400" dirty="0"/>
-              <a:t>Pitka</a:t>
-            </a:r>
-          </a:p>
-          <a:p>
-            <a:r>
-              <a:rPr lang="en-US" sz="1400" dirty="0"/>
-              <a:t>Bear                            </a:t>
-            </a:r>
-          </a:p>
-          <a:p>
-            <a:r>
-              <a:rPr lang="en-US" sz="1400" dirty="0"/>
-              <a:t>Pitka: Salmon           </a:t>
-            </a:r>
-            <a:endParaRPr lang="en-US" sz="1600" dirty="0"/>
-          </a:p>
-        </p:txBody>
-      </p:sp>
-      <p:cxnSp>
-        <p:nvCxnSpPr>
-          <p:cNvPr id="67" name="Straight Arrow Connector 66"/>
-          <p:cNvCxnSpPr>
-            <a:stCxn id="30" idx="2"/>
-            <a:endCxn id="63" idx="0"/>
-          </p:cNvCxnSpPr>
-          <p:nvPr/>
-        </p:nvCxnSpPr>
-        <p:spPr>
-          <a:xfrm flipH="1">
-            <a:off x="7315496" y="2845235"/>
-            <a:ext cx="537984" cy="458937"/>
-          </a:xfrm>
-          <a:prstGeom prst="straightConnector1">
-            <a:avLst/>
-          </a:prstGeom>
-          <a:ln w="25400">
-            <a:solidFill>
-              <a:schemeClr val="tx1"/>
-            </a:solidFill>
-            <a:tailEnd type="triangle"/>
-          </a:ln>
-        </p:spPr>
-        <p:style>
-          <a:lnRef idx="1">
-            <a:schemeClr val="accent1"/>
-          </a:lnRef>
-          <a:fillRef idx="0">
-            <a:schemeClr val="accent1"/>
-          </a:fillRef>
-          <a:effectRef idx="0">
-            <a:schemeClr val="accent1"/>
-          </a:effectRef>
-          <a:fontRef idx="minor">
-            <a:schemeClr val="tx1"/>
-          </a:fontRef>
-        </p:style>
-      </p:cxnSp>
-      <p:sp>
-        <p:nvSpPr>
-          <p:cNvPr id="77" name="TextBox 76"/>
-          <p:cNvSpPr txBox="1"/>
-          <p:nvPr/>
-        </p:nvSpPr>
-        <p:spPr>
-          <a:xfrm>
-            <a:off x="3468062" y="1016470"/>
-            <a:ext cx="903324" cy="646331"/>
-          </a:xfrm>
-          <a:prstGeom prst="rect">
-            <a:avLst/>
-          </a:prstGeom>
-          <a:ln/>
-        </p:spPr>
-        <p:style>
-          <a:lnRef idx="2">
-            <a:schemeClr val="accent1"/>
-          </a:lnRef>
-          <a:fillRef idx="1">
-            <a:schemeClr val="lt1"/>
-          </a:fillRef>
-          <a:effectRef idx="0">
-            <a:schemeClr val="accent1"/>
-          </a:effectRef>
-          <a:fontRef idx="minor">
-            <a:schemeClr val="dk1"/>
-          </a:fontRef>
-        </p:style>
-        <p:txBody>
-          <a:bodyPr wrap="none" rtlCol="0">
-            <a:spAutoFit/>
-          </a:bodyPr>
-          <a:lstStyle/>
-          <a:p>
-            <a:r>
-              <a:rPr lang="en-US" dirty="0">
-                <a:solidFill>
-                  <a:srgbClr val="0033CC"/>
-                </a:solidFill>
-              </a:rPr>
-              <a:t>Harvest</a:t>
-            </a:r>
-          </a:p>
-          <a:p>
-            <a:r>
-              <a:rPr lang="en-US" dirty="0">
-                <a:solidFill>
-                  <a:srgbClr val="0033CC"/>
-                </a:solidFill>
-              </a:rPr>
-              <a:t>(C</a:t>
-            </a:r>
-            <a:r>
-              <a:rPr lang="en-US" baseline="-25000" dirty="0">
-                <a:solidFill>
-                  <a:srgbClr val="0033CC"/>
-                </a:solidFill>
-              </a:rPr>
-              <a:t>y</a:t>
-            </a:r>
-            <a:r>
-              <a:rPr lang="en-US" dirty="0">
-                <a:solidFill>
-                  <a:srgbClr val="0033CC"/>
-                </a:solidFill>
-              </a:rPr>
-              <a:t>) </a:t>
-            </a:r>
-          </a:p>
-        </p:txBody>
-      </p:sp>
-      <p:sp>
-        <p:nvSpPr>
-          <p:cNvPr id="78" name="TextBox 77"/>
-          <p:cNvSpPr txBox="1"/>
-          <p:nvPr/>
-        </p:nvSpPr>
-        <p:spPr>
-          <a:xfrm>
-            <a:off x="801062" y="2191434"/>
-            <a:ext cx="1713538" cy="646331"/>
-          </a:xfrm>
-          <a:prstGeom prst="rect">
-            <a:avLst/>
-          </a:prstGeom>
-          <a:noFill/>
-          <a:ln w="19050">
-            <a:solidFill>
-              <a:schemeClr val="tx1"/>
-            </a:solidFill>
-            <a:prstDash val="dash"/>
-          </a:ln>
-        </p:spPr>
-        <p:txBody>
-          <a:bodyPr wrap="square" lIns="0" rIns="0" rtlCol="0">
-            <a:spAutoFit/>
-          </a:bodyPr>
-          <a:lstStyle/>
-          <a:p>
-            <a:pPr algn="ctr"/>
-            <a:r>
-              <a:rPr lang="en-US" dirty="0"/>
-              <a:t>Kuskokwim</a:t>
-            </a:r>
-          </a:p>
-          <a:p>
-            <a:pPr algn="ctr"/>
-            <a:r>
-              <a:rPr lang="en-US" dirty="0"/>
-              <a:t>Run (</a:t>
-            </a:r>
-            <a:r>
-              <a:rPr lang="en-US" b="1" dirty="0" err="1">
+          </p:spPr>
+          <p:txBody>
+            <a:bodyPr wrap="square" lIns="0" rIns="0">
+              <a:spAutoFit/>
+            </a:bodyPr>
+            <a:lstStyle/>
+            <a:p>
+              <a:r>
+                <a:rPr lang="en-US" dirty="0" err="1"/>
+                <a:t>e</a:t>
+              </a:r>
+              <a:r>
+                <a:rPr lang="en-US" baseline="-25000" dirty="0" err="1"/>
+                <a:t>y,i,j</a:t>
+              </a:r>
+              <a:r>
+                <a:rPr lang="en-US" dirty="0"/>
+                <a:t>=</a:t>
+              </a:r>
+              <a:r>
+                <a:rPr lang="en-US" dirty="0" err="1"/>
+                <a:t>E</a:t>
+              </a:r>
+              <a:r>
+                <a:rPr lang="en-US" baseline="-25000" dirty="0" err="1"/>
+                <a:t>y</a:t>
+              </a:r>
+              <a:r>
+                <a:rPr lang="en-US" dirty="0"/>
+                <a:t>/</a:t>
+              </a:r>
+              <a:r>
+                <a:rPr lang="en-US" b="1" dirty="0" err="1">
+                  <a:solidFill>
+                    <a:srgbClr val="FF0000"/>
+                  </a:solidFill>
+                </a:rPr>
+                <a:t>k</a:t>
+              </a:r>
+              <a:r>
+                <a:rPr lang="en-US" b="1" baseline="-25000" dirty="0" err="1">
+                  <a:solidFill>
+                    <a:srgbClr val="FF0000"/>
+                  </a:solidFill>
+                </a:rPr>
+                <a:t>y,i,</a:t>
+              </a:r>
+              <a:r>
+                <a:rPr lang="en-US" baseline="-25000" dirty="0" err="1">
+                  <a:solidFill>
+                    <a:srgbClr val="FF0000"/>
+                  </a:solidFill>
+                </a:rPr>
+                <a:t>j</a:t>
+              </a:r>
+              <a:endParaRPr lang="en-US" baseline="-25000" dirty="0">
                 <a:solidFill>
                   <a:srgbClr val="FF0000"/>
                 </a:solidFill>
-              </a:rPr>
-              <a:t>N</a:t>
-            </a:r>
-            <a:r>
-              <a:rPr lang="en-US" b="1" baseline="-25000" dirty="0" err="1">
-                <a:solidFill>
-                  <a:srgbClr val="FF0000"/>
-                </a:solidFill>
-              </a:rPr>
-              <a:t>y</a:t>
-            </a:r>
-            <a:r>
-              <a:rPr lang="en-US" dirty="0"/>
-              <a:t>)</a:t>
-            </a:r>
-          </a:p>
-        </p:txBody>
-      </p:sp>
-      <p:cxnSp>
-        <p:nvCxnSpPr>
-          <p:cNvPr id="86" name="Straight Arrow Connector 85"/>
-          <p:cNvCxnSpPr/>
-          <p:nvPr/>
-        </p:nvCxnSpPr>
-        <p:spPr>
-          <a:xfrm flipV="1">
-            <a:off x="3919724" y="1662800"/>
-            <a:ext cx="0" cy="851797"/>
-          </a:xfrm>
-          <a:prstGeom prst="straightConnector1">
-            <a:avLst/>
-          </a:prstGeom>
-          <a:ln w="25400">
-            <a:solidFill>
-              <a:schemeClr val="tx1"/>
-            </a:solidFill>
-            <a:tailEnd type="triangle"/>
-          </a:ln>
-        </p:spPr>
-        <p:style>
-          <a:lnRef idx="1">
-            <a:schemeClr val="accent1"/>
-          </a:lnRef>
-          <a:fillRef idx="0">
-            <a:schemeClr val="accent1"/>
-          </a:fillRef>
-          <a:effectRef idx="0">
-            <a:schemeClr val="accent1"/>
-          </a:effectRef>
-          <a:fontRef idx="minor">
-            <a:schemeClr val="tx1"/>
-          </a:fontRef>
-        </p:style>
-      </p:cxnSp>
-      <p:sp>
-        <p:nvSpPr>
-          <p:cNvPr id="105" name="Rectangle 104"/>
-          <p:cNvSpPr/>
-          <p:nvPr/>
-        </p:nvSpPr>
-        <p:spPr>
-          <a:xfrm>
-            <a:off x="7932094" y="2979138"/>
-            <a:ext cx="1098568" cy="369332"/>
-          </a:xfrm>
-          <a:prstGeom prst="rect">
-            <a:avLst/>
-          </a:prstGeom>
-          <a:solidFill>
-            <a:schemeClr val="bg1"/>
-          </a:solidFill>
-        </p:spPr>
-        <p:txBody>
-          <a:bodyPr wrap="square" lIns="0" rIns="0">
-            <a:spAutoFit/>
-          </a:bodyPr>
-          <a:lstStyle/>
-          <a:p>
-            <a:r>
-              <a:rPr lang="en-US" dirty="0" err="1"/>
-              <a:t>e</a:t>
-            </a:r>
-            <a:r>
-              <a:rPr lang="en-US" baseline="-25000" dirty="0" err="1"/>
-              <a:t>y,i,j</a:t>
-            </a:r>
-            <a:r>
-              <a:rPr lang="en-US" dirty="0"/>
-              <a:t>=</a:t>
-            </a:r>
-            <a:r>
-              <a:rPr lang="en-US" dirty="0" err="1"/>
-              <a:t>E</a:t>
-            </a:r>
-            <a:r>
-              <a:rPr lang="en-US" baseline="-25000" dirty="0" err="1"/>
-              <a:t>y</a:t>
-            </a:r>
-            <a:r>
-              <a:rPr lang="en-US" dirty="0"/>
-              <a:t>/</a:t>
-            </a:r>
-            <a:r>
-              <a:rPr lang="en-US" b="1" dirty="0" err="1">
-                <a:solidFill>
-                  <a:srgbClr val="FF0000"/>
-                </a:solidFill>
-              </a:rPr>
-              <a:t>k</a:t>
-            </a:r>
-            <a:r>
-              <a:rPr lang="en-US" b="1" baseline="-25000" dirty="0" err="1">
-                <a:solidFill>
-                  <a:srgbClr val="FF0000"/>
-                </a:solidFill>
-              </a:rPr>
-              <a:t>y,i,</a:t>
-            </a:r>
-            <a:r>
-              <a:rPr lang="en-US" baseline="-25000" dirty="0" err="1">
-                <a:solidFill>
-                  <a:srgbClr val="FF0000"/>
-                </a:solidFill>
-              </a:rPr>
-              <a:t>j</a:t>
-            </a:r>
-            <a:endParaRPr lang="en-US" baseline="-25000" dirty="0">
+              </a:endParaRPr>
+            </a:p>
+          </p:txBody>
+        </p:sp>
+        <p:grpSp>
+          <p:nvGrpSpPr>
+            <p:cNvPr id="3" name="Group 2">
+              <a:extLst>
+                <a:ext uri="{FF2B5EF4-FFF2-40B4-BE49-F238E27FC236}">
+                  <a16:creationId xmlns:a16="http://schemas.microsoft.com/office/drawing/2014/main" id="{6A53A84A-4EF6-F8EA-8922-348BBA0BF4CA}"/>
+                </a:ext>
+              </a:extLst>
+            </p:cNvPr>
+            <p:cNvGrpSpPr/>
+            <p:nvPr/>
+          </p:nvGrpSpPr>
+          <p:grpSpPr>
+            <a:xfrm>
+              <a:off x="320163" y="1016469"/>
+              <a:ext cx="8523917" cy="5514930"/>
+              <a:chOff x="320163" y="1016469"/>
+              <a:chExt cx="8523917" cy="5514930"/>
+            </a:xfrm>
+          </p:grpSpPr>
+          <p:sp>
+            <p:nvSpPr>
+              <p:cNvPr id="30" name="TextBox 29"/>
+              <p:cNvSpPr txBox="1"/>
+              <p:nvPr/>
+            </p:nvSpPr>
+            <p:spPr>
+              <a:xfrm>
+                <a:off x="6862880" y="2198904"/>
+                <a:ext cx="1981200" cy="646331"/>
+              </a:xfrm>
+              <a:prstGeom prst="rect">
+                <a:avLst/>
+              </a:prstGeom>
+              <a:noFill/>
+              <a:ln w="19050">
+                <a:solidFill>
+                  <a:schemeClr val="tx1"/>
+                </a:solidFill>
+                <a:prstDash val="dash"/>
+              </a:ln>
+            </p:spPr>
+            <p:txBody>
+              <a:bodyPr wrap="square" rtlCol="0">
+                <a:spAutoFit/>
+              </a:bodyPr>
+              <a:lstStyle/>
+              <a:p>
+                <a:r>
+                  <a:rPr lang="en-US" dirty="0"/>
+                  <a:t>Kuskokwim Escapement (</a:t>
+                </a:r>
+                <a:r>
+                  <a:rPr lang="en-US" dirty="0" err="1"/>
+                  <a:t>E</a:t>
+                </a:r>
+                <a:r>
+                  <a:rPr lang="en-US" baseline="-25000" dirty="0" err="1"/>
+                  <a:t>y</a:t>
+                </a:r>
+                <a:r>
+                  <a:rPr lang="en-US" dirty="0"/>
+                  <a:t>)</a:t>
+                </a:r>
+              </a:p>
+            </p:txBody>
+          </p:sp>
+          <p:sp>
+            <p:nvSpPr>
+              <p:cNvPr id="63" name="TextBox 62"/>
+              <p:cNvSpPr txBox="1"/>
+              <p:nvPr/>
+            </p:nvSpPr>
+            <p:spPr>
+              <a:xfrm>
+                <a:off x="5807155" y="3304172"/>
+                <a:ext cx="3016682" cy="3170099"/>
+              </a:xfrm>
+              <a:prstGeom prst="rect">
+                <a:avLst/>
+              </a:prstGeom>
+              <a:noFill/>
+              <a:ln w="19050">
+                <a:solidFill>
+                  <a:schemeClr val="tx1"/>
+                </a:solidFill>
+              </a:ln>
+            </p:spPr>
+            <p:txBody>
+              <a:bodyPr wrap="square" rtlCol="0">
+                <a:spAutoFit/>
+              </a:bodyPr>
+              <a:lstStyle/>
+              <a:p>
+                <a:r>
+                  <a:rPr lang="en-US" sz="1600" dirty="0"/>
+                  <a:t>Escapements (</a:t>
+                </a:r>
+                <a:r>
+                  <a:rPr lang="en-US" sz="1600" dirty="0" err="1"/>
+                  <a:t>e</a:t>
+                </a:r>
+                <a:r>
+                  <a:rPr lang="en-US" sz="1600" baseline="-25000" dirty="0" err="1"/>
+                  <a:t>i,j</a:t>
+                </a:r>
+                <a:r>
+                  <a:rPr lang="en-US" sz="1600" dirty="0"/>
+                  <a:t>) </a:t>
+                </a:r>
+              </a:p>
+              <a:p>
+                <a:r>
+                  <a:rPr lang="en-US" sz="1600" dirty="0"/>
+                  <a:t>Aerial                    Weir</a:t>
+                </a:r>
+              </a:p>
+              <a:p>
+                <a:r>
+                  <a:rPr lang="en-US" sz="1400" b="1" dirty="0" err="1"/>
+                  <a:t>Kwethluk</a:t>
+                </a:r>
+                <a:r>
+                  <a:rPr lang="en-US" sz="1400" dirty="0"/>
+                  <a:t>	            </a:t>
+                </a:r>
+                <a:r>
+                  <a:rPr lang="en-US" sz="1400" b="1" dirty="0" err="1"/>
+                  <a:t>Kwethluk</a:t>
+                </a:r>
+                <a:endParaRPr lang="en-US" sz="1400" b="1" dirty="0"/>
+              </a:p>
+              <a:p>
+                <a:r>
+                  <a:rPr lang="en-US" sz="1400" dirty="0" err="1"/>
+                  <a:t>Kisaralik</a:t>
+                </a:r>
+                <a:r>
+                  <a:rPr lang="en-US" sz="1400" dirty="0"/>
+                  <a:t>                    </a:t>
+                </a:r>
+                <a:r>
+                  <a:rPr lang="en-US" sz="1400" b="1" dirty="0" err="1"/>
+                  <a:t>Tuluksak</a:t>
+                </a:r>
+                <a:endParaRPr lang="en-US" sz="1400" b="1" dirty="0"/>
+              </a:p>
+              <a:p>
+                <a:r>
+                  <a:rPr lang="en-US" sz="1400" b="1" dirty="0" err="1"/>
+                  <a:t>Tuluksak</a:t>
+                </a:r>
+                <a:r>
+                  <a:rPr lang="en-US" sz="1400" b="1" dirty="0"/>
+                  <a:t>  </a:t>
+                </a:r>
+                <a:r>
+                  <a:rPr lang="en-US" sz="1400" dirty="0"/>
+                  <a:t>                  George</a:t>
+                </a:r>
+              </a:p>
+              <a:p>
+                <a:r>
+                  <a:rPr lang="en-US" sz="1400" dirty="0" err="1"/>
+                  <a:t>Aniak</a:t>
+                </a:r>
+                <a:r>
+                  <a:rPr lang="en-US" sz="1400" dirty="0"/>
+                  <a:t> : salmon         </a:t>
+                </a:r>
+                <a:r>
+                  <a:rPr lang="en-US" sz="1400" dirty="0" err="1"/>
+                  <a:t>Kogrukluk</a:t>
+                </a:r>
+                <a:endParaRPr lang="en-US" sz="1400" dirty="0"/>
+              </a:p>
+              <a:p>
+                <a:r>
+                  <a:rPr lang="en-US" sz="1400" dirty="0" err="1"/>
+                  <a:t>Holokuk</a:t>
+                </a:r>
+                <a:r>
+                  <a:rPr lang="en-US" sz="1400" dirty="0"/>
+                  <a:t>                    </a:t>
+                </a:r>
+                <a:r>
+                  <a:rPr lang="en-US" sz="1400" dirty="0" err="1"/>
+                  <a:t>Tatlawiksuk</a:t>
+                </a:r>
+                <a:endParaRPr lang="en-US" sz="1400" dirty="0"/>
+              </a:p>
+              <a:p>
+                <a:r>
+                  <a:rPr lang="en-US" sz="1400" dirty="0" err="1"/>
+                  <a:t>Oskawalik</a:t>
+                </a:r>
+                <a:r>
+                  <a:rPr lang="en-US" sz="1400" dirty="0"/>
+                  <a:t>                 </a:t>
+                </a:r>
+                <a:r>
+                  <a:rPr lang="en-US" sz="1400" dirty="0" err="1"/>
+                  <a:t>Takotna</a:t>
+                </a:r>
+                <a:endParaRPr lang="en-US" sz="1400" dirty="0"/>
+              </a:p>
+              <a:p>
+                <a:r>
+                  <a:rPr lang="en-US" sz="1400" dirty="0" err="1"/>
+                  <a:t>Holitna</a:t>
+                </a:r>
+                <a:endParaRPr lang="en-US" sz="1400" dirty="0"/>
+              </a:p>
+              <a:p>
+                <a:r>
+                  <a:rPr lang="en-US" sz="1400" dirty="0" err="1"/>
+                  <a:t>Cheeneetnuk</a:t>
+                </a:r>
+                <a:endParaRPr lang="en-US" sz="1400" dirty="0"/>
+              </a:p>
+              <a:p>
+                <a:r>
+                  <a:rPr lang="en-US" sz="1400" dirty="0" err="1"/>
+                  <a:t>Gagaryah</a:t>
+                </a:r>
+                <a:endParaRPr lang="en-US" sz="1400" dirty="0"/>
+              </a:p>
+              <a:p>
+                <a:r>
+                  <a:rPr lang="en-US" sz="1400" dirty="0"/>
+                  <a:t>Pitka</a:t>
+                </a:r>
+              </a:p>
+              <a:p>
+                <a:r>
+                  <a:rPr lang="en-US" sz="1400" dirty="0"/>
+                  <a:t>Bear                            </a:t>
+                </a:r>
+              </a:p>
+              <a:p>
+                <a:r>
+                  <a:rPr lang="en-US" sz="1400" dirty="0"/>
+                  <a:t>Pitka: Salmon           </a:t>
+                </a:r>
+                <a:endParaRPr lang="en-US" sz="1600" dirty="0"/>
+              </a:p>
+            </p:txBody>
+          </p:sp>
+          <p:cxnSp>
+            <p:nvCxnSpPr>
+              <p:cNvPr id="67" name="Straight Arrow Connector 66"/>
+              <p:cNvCxnSpPr>
+                <a:cxnSpLocks/>
+                <a:stCxn id="30" idx="2"/>
+                <a:endCxn id="63" idx="0"/>
+              </p:cNvCxnSpPr>
+              <p:nvPr/>
+            </p:nvCxnSpPr>
+            <p:spPr>
+              <a:xfrm flipH="1">
+                <a:off x="7315496" y="2845235"/>
+                <a:ext cx="537984" cy="458937"/>
+              </a:xfrm>
+              <a:prstGeom prst="straightConnector1">
+                <a:avLst/>
+              </a:prstGeom>
+              <a:ln w="25400">
+                <a:solidFill>
+                  <a:schemeClr val="tx1"/>
+                </a:solidFill>
+                <a:tailEnd type="triangle"/>
+              </a:ln>
+            </p:spPr>
+            <p:style>
+              <a:lnRef idx="1">
+                <a:schemeClr val="accent1"/>
+              </a:lnRef>
+              <a:fillRef idx="0">
+                <a:schemeClr val="accent1"/>
+              </a:fillRef>
+              <a:effectRef idx="0">
+                <a:schemeClr val="accent1"/>
+              </a:effectRef>
+              <a:fontRef idx="minor">
+                <a:schemeClr val="tx1"/>
+              </a:fontRef>
+            </p:style>
+          </p:cxnSp>
+          <p:sp>
+            <p:nvSpPr>
+              <p:cNvPr id="77" name="TextBox 76"/>
+              <p:cNvSpPr txBox="1"/>
+              <p:nvPr/>
+            </p:nvSpPr>
+            <p:spPr>
+              <a:xfrm>
+                <a:off x="3468062" y="1016470"/>
+                <a:ext cx="903324" cy="646331"/>
+              </a:xfrm>
+              <a:prstGeom prst="rect">
+                <a:avLst/>
+              </a:prstGeom>
+              <a:ln/>
+            </p:spPr>
+            <p:style>
+              <a:lnRef idx="2">
+                <a:schemeClr val="accent1"/>
+              </a:lnRef>
+              <a:fillRef idx="1">
+                <a:schemeClr val="lt1"/>
+              </a:fillRef>
+              <a:effectRef idx="0">
+                <a:schemeClr val="accent1"/>
+              </a:effectRef>
+              <a:fontRef idx="minor">
+                <a:schemeClr val="dk1"/>
+              </a:fontRef>
+            </p:style>
+            <p:txBody>
+              <a:bodyPr wrap="none" rtlCol="0">
+                <a:spAutoFit/>
+              </a:bodyPr>
+              <a:lstStyle/>
+              <a:p>
+                <a:r>
+                  <a:rPr lang="en-US" dirty="0">
+                    <a:solidFill>
+                      <a:srgbClr val="0033CC"/>
+                    </a:solidFill>
+                  </a:rPr>
+                  <a:t>Harvest</a:t>
+                </a:r>
+              </a:p>
+              <a:p>
+                <a:r>
+                  <a:rPr lang="en-US" dirty="0">
+                    <a:solidFill>
+                      <a:srgbClr val="0033CC"/>
+                    </a:solidFill>
+                  </a:rPr>
+                  <a:t>(C</a:t>
+                </a:r>
+                <a:r>
+                  <a:rPr lang="en-US" baseline="-25000" dirty="0">
+                    <a:solidFill>
+                      <a:srgbClr val="0033CC"/>
+                    </a:solidFill>
+                  </a:rPr>
+                  <a:t>y</a:t>
+                </a:r>
+                <a:r>
+                  <a:rPr lang="en-US" dirty="0">
+                    <a:solidFill>
+                      <a:srgbClr val="0033CC"/>
+                    </a:solidFill>
+                  </a:rPr>
+                  <a:t>) </a:t>
+                </a:r>
+              </a:p>
+            </p:txBody>
+          </p:sp>
+          <p:sp>
+            <p:nvSpPr>
+              <p:cNvPr id="78" name="TextBox 77"/>
+              <p:cNvSpPr txBox="1"/>
+              <p:nvPr/>
+            </p:nvSpPr>
+            <p:spPr>
+              <a:xfrm>
+                <a:off x="801062" y="2191434"/>
+                <a:ext cx="1713538" cy="646331"/>
+              </a:xfrm>
+              <a:prstGeom prst="rect">
+                <a:avLst/>
+              </a:prstGeom>
+              <a:noFill/>
+              <a:ln w="19050">
+                <a:solidFill>
+                  <a:schemeClr val="tx1"/>
+                </a:solidFill>
+                <a:prstDash val="dash"/>
+              </a:ln>
+            </p:spPr>
+            <p:txBody>
+              <a:bodyPr wrap="square" lIns="0" rIns="0" rtlCol="0">
+                <a:spAutoFit/>
+              </a:bodyPr>
+              <a:lstStyle/>
+              <a:p>
+                <a:pPr algn="ctr"/>
+                <a:r>
+                  <a:rPr lang="en-US" dirty="0"/>
+                  <a:t>Kuskokwim</a:t>
+                </a:r>
+              </a:p>
+              <a:p>
+                <a:pPr algn="ctr"/>
+                <a:r>
+                  <a:rPr lang="en-US" dirty="0"/>
+                  <a:t>Run (</a:t>
+                </a:r>
+                <a:r>
+                  <a:rPr lang="en-US" b="1" dirty="0" err="1">
+                    <a:solidFill>
+                      <a:srgbClr val="FF0000"/>
+                    </a:solidFill>
+                  </a:rPr>
+                  <a:t>N</a:t>
+                </a:r>
+                <a:r>
+                  <a:rPr lang="en-US" b="1" baseline="-25000" dirty="0" err="1">
+                    <a:solidFill>
+                      <a:srgbClr val="FF0000"/>
+                    </a:solidFill>
+                  </a:rPr>
+                  <a:t>y</a:t>
+                </a:r>
+                <a:r>
+                  <a:rPr lang="en-US" dirty="0"/>
+                  <a:t>)</a:t>
+                </a:r>
+              </a:p>
+            </p:txBody>
+          </p:sp>
+          <p:cxnSp>
+            <p:nvCxnSpPr>
+              <p:cNvPr id="86" name="Straight Arrow Connector 85"/>
+              <p:cNvCxnSpPr/>
+              <p:nvPr/>
+            </p:nvCxnSpPr>
+            <p:spPr>
+              <a:xfrm flipV="1">
+                <a:off x="3919724" y="1662800"/>
+                <a:ext cx="0" cy="851797"/>
+              </a:xfrm>
+              <a:prstGeom prst="straightConnector1">
+                <a:avLst/>
+              </a:prstGeom>
+              <a:ln w="25400">
+                <a:solidFill>
+                  <a:schemeClr val="tx1"/>
+                </a:solidFill>
+                <a:tailEnd type="triangle"/>
+              </a:ln>
+            </p:spPr>
+            <p:style>
+              <a:lnRef idx="1">
+                <a:schemeClr val="accent1"/>
+              </a:lnRef>
+              <a:fillRef idx="0">
+                <a:schemeClr val="accent1"/>
+              </a:fillRef>
+              <a:effectRef idx="0">
+                <a:schemeClr val="accent1"/>
+              </a:effectRef>
+              <a:fontRef idx="minor">
+                <a:schemeClr val="tx1"/>
+              </a:fontRef>
+            </p:style>
+          </p:cxnSp>
+          <p:cxnSp>
+            <p:nvCxnSpPr>
+              <p:cNvPr id="64" name="Straight Arrow Connector 63"/>
+              <p:cNvCxnSpPr>
+                <a:cxnSpLocks/>
+                <a:stCxn id="78" idx="3"/>
+                <a:endCxn id="30" idx="1"/>
+              </p:cNvCxnSpPr>
+              <p:nvPr/>
+            </p:nvCxnSpPr>
+            <p:spPr>
+              <a:xfrm>
+                <a:off x="2514600" y="2514600"/>
+                <a:ext cx="4348280" cy="7470"/>
+              </a:xfrm>
+              <a:prstGeom prst="straightConnector1">
+                <a:avLst/>
+              </a:prstGeom>
+              <a:ln w="25400">
+                <a:solidFill>
+                  <a:schemeClr val="tx1"/>
+                </a:solidFill>
+                <a:tailEnd type="triangle"/>
+              </a:ln>
+            </p:spPr>
+            <p:style>
+              <a:lnRef idx="1">
+                <a:schemeClr val="accent1"/>
+              </a:lnRef>
+              <a:fillRef idx="0">
+                <a:schemeClr val="accent1"/>
+              </a:fillRef>
+              <a:effectRef idx="0">
+                <a:schemeClr val="accent1"/>
+              </a:effectRef>
+              <a:fontRef idx="minor">
+                <a:schemeClr val="tx1"/>
+              </a:fontRef>
+            </p:style>
+          </p:cxnSp>
+          <p:sp>
+            <p:nvSpPr>
+              <p:cNvPr id="58" name="TextBox 57"/>
+              <p:cNvSpPr txBox="1"/>
+              <p:nvPr/>
+            </p:nvSpPr>
+            <p:spPr>
+              <a:xfrm>
+                <a:off x="320163" y="4223075"/>
+                <a:ext cx="3933352" cy="2308324"/>
+              </a:xfrm>
+              <a:prstGeom prst="rect">
+                <a:avLst/>
+              </a:prstGeom>
+              <a:noFill/>
+              <a:ln w="19050">
+                <a:solidFill>
+                  <a:schemeClr val="tx1"/>
+                </a:solidFill>
+              </a:ln>
+            </p:spPr>
+            <p:txBody>
+              <a:bodyPr wrap="square" rtlCol="0">
+                <a:spAutoFit/>
+              </a:bodyPr>
+              <a:lstStyle/>
+              <a:p>
+                <a:r>
+                  <a:rPr lang="en-US" b="1" dirty="0" err="1">
+                    <a:solidFill>
+                      <a:srgbClr val="0033CC"/>
+                    </a:solidFill>
+                  </a:rPr>
+                  <a:t>N</a:t>
+                </a:r>
+                <a:r>
+                  <a:rPr lang="en-US" b="1" baseline="-25000" dirty="0" err="1">
+                    <a:solidFill>
+                      <a:srgbClr val="0033CC"/>
+                    </a:solidFill>
+                  </a:rPr>
+                  <a:t>yob</a:t>
+                </a:r>
+                <a:r>
+                  <a:rPr lang="en-US" dirty="0"/>
+                  <a:t>: Drainage-wide run</a:t>
+                </a:r>
+              </a:p>
+              <a:p>
+                <a:r>
+                  <a:rPr lang="en-US" dirty="0"/>
+                  <a:t>(</a:t>
+                </a:r>
+                <a:r>
+                  <a:rPr lang="en-US" dirty="0" err="1"/>
+                  <a:t>Kalskag</a:t>
+                </a:r>
+                <a:r>
+                  <a:rPr lang="en-US" dirty="0"/>
+                  <a:t> MR+ </a:t>
+                </a:r>
+              </a:p>
+              <a:p>
+                <a:r>
+                  <a:rPr lang="en-US" dirty="0"/>
+                  <a:t>+Harvest below </a:t>
+                </a:r>
+                <a:r>
+                  <a:rPr lang="en-US" dirty="0" err="1"/>
+                  <a:t>Kalskag</a:t>
+                </a:r>
+                <a:r>
+                  <a:rPr lang="en-US" dirty="0"/>
+                  <a:t> </a:t>
+                </a:r>
+              </a:p>
+              <a:p>
+                <a:r>
+                  <a:rPr lang="en-US" dirty="0"/>
+                  <a:t>+</a:t>
+                </a:r>
+                <a:r>
+                  <a:rPr lang="en-US" dirty="0" err="1"/>
+                  <a:t>Kwethluk</a:t>
+                </a:r>
+                <a:r>
+                  <a:rPr lang="en-US" dirty="0"/>
+                  <a:t> + </a:t>
+                </a:r>
+                <a:r>
+                  <a:rPr lang="en-US" dirty="0" err="1"/>
+                  <a:t>Tuluksak</a:t>
+                </a:r>
+                <a:r>
+                  <a:rPr lang="en-US" dirty="0"/>
+                  <a:t> escapements</a:t>
+                </a:r>
+              </a:p>
+              <a:p>
+                <a:r>
+                  <a:rPr lang="en-US" dirty="0"/>
+                  <a:t>+ </a:t>
+                </a:r>
+                <a:r>
+                  <a:rPr lang="en-US" dirty="0">
+                    <a:solidFill>
+                      <a:srgbClr val="FF0000"/>
+                    </a:solidFill>
+                  </a:rPr>
+                  <a:t>Unobserved</a:t>
+                </a:r>
+                <a:r>
+                  <a:rPr lang="en-US" dirty="0"/>
+                  <a:t> Esc (i.e., (</a:t>
+                </a:r>
+                <a:r>
+                  <a:rPr lang="en-US" dirty="0" err="1"/>
+                  <a:t>Kw+Tu</a:t>
+                </a:r>
+                <a:r>
+                  <a:rPr lang="en-US" dirty="0"/>
+                  <a:t> Esc)*S)</a:t>
+                </a:r>
+              </a:p>
+              <a:p>
+                <a:r>
+                  <a:rPr lang="en-US" dirty="0"/>
+                  <a:t>-----------------------------</a:t>
+                </a:r>
+              </a:p>
+              <a:p>
+                <a:r>
+                  <a:rPr lang="en-US" dirty="0"/>
+                  <a:t>Lower River MR + Harvest below + Unobserved Esc (Eek)</a:t>
+                </a:r>
+              </a:p>
+            </p:txBody>
+          </p:sp>
+          <p:cxnSp>
+            <p:nvCxnSpPr>
+              <p:cNvPr id="59" name="Straight Arrow Connector 58"/>
+              <p:cNvCxnSpPr/>
+              <p:nvPr/>
+            </p:nvCxnSpPr>
+            <p:spPr>
+              <a:xfrm flipV="1">
+                <a:off x="1791662" y="2845235"/>
+                <a:ext cx="0" cy="1370370"/>
+              </a:xfrm>
+              <a:prstGeom prst="straightConnector1">
+                <a:avLst/>
+              </a:prstGeom>
+              <a:ln w="25400">
+                <a:solidFill>
+                  <a:schemeClr val="tx1"/>
+                </a:solidFill>
+                <a:tailEnd type="triangle"/>
+              </a:ln>
+            </p:spPr>
+            <p:style>
+              <a:lnRef idx="1">
+                <a:schemeClr val="accent1"/>
+              </a:lnRef>
+              <a:fillRef idx="0">
+                <a:schemeClr val="accent1"/>
+              </a:fillRef>
+              <a:effectRef idx="0">
+                <a:schemeClr val="accent1"/>
+              </a:effectRef>
+              <a:fontRef idx="minor">
+                <a:schemeClr val="tx1"/>
+              </a:fontRef>
+            </p:style>
+          </p:cxnSp>
+          <p:sp>
+            <p:nvSpPr>
+              <p:cNvPr id="13" name="Rectangle 12"/>
+              <p:cNvSpPr/>
+              <p:nvPr/>
+            </p:nvSpPr>
+            <p:spPr>
+              <a:xfrm>
+                <a:off x="7170913" y="1748776"/>
+                <a:ext cx="772071" cy="369332"/>
+              </a:xfrm>
+              <a:prstGeom prst="rect">
+                <a:avLst/>
+              </a:prstGeom>
               <a:solidFill>
-                <a:srgbClr val="FF0000"/>
+                <a:schemeClr val="bg1"/>
               </a:solidFill>
-            </a:endParaRPr>
-          </a:p>
-        </p:txBody>
-      </p:sp>
-      <p:cxnSp>
-        <p:nvCxnSpPr>
-          <p:cNvPr id="64" name="Straight Arrow Connector 63"/>
-          <p:cNvCxnSpPr>
-            <a:stCxn id="78" idx="3"/>
-            <a:endCxn id="30" idx="1"/>
-          </p:cNvCxnSpPr>
-          <p:nvPr/>
-        </p:nvCxnSpPr>
-        <p:spPr>
-          <a:xfrm>
-            <a:off x="2514600" y="2514600"/>
-            <a:ext cx="4348280" cy="7470"/>
-          </a:xfrm>
-          <a:prstGeom prst="straightConnector1">
-            <a:avLst/>
-          </a:prstGeom>
-          <a:ln w="25400">
-            <a:solidFill>
-              <a:schemeClr val="tx1"/>
-            </a:solidFill>
-            <a:tailEnd type="triangle"/>
-          </a:ln>
-        </p:spPr>
-        <p:style>
-          <a:lnRef idx="1">
-            <a:schemeClr val="accent1"/>
-          </a:lnRef>
-          <a:fillRef idx="0">
-            <a:schemeClr val="accent1"/>
-          </a:fillRef>
-          <a:effectRef idx="0">
-            <a:schemeClr val="accent1"/>
-          </a:effectRef>
-          <a:fontRef idx="minor">
-            <a:schemeClr val="tx1"/>
-          </a:fontRef>
-        </p:style>
-      </p:cxnSp>
-      <p:sp>
-        <p:nvSpPr>
-          <p:cNvPr id="58" name="TextBox 57"/>
-          <p:cNvSpPr txBox="1"/>
-          <p:nvPr/>
-        </p:nvSpPr>
-        <p:spPr>
-          <a:xfrm>
-            <a:off x="320163" y="4223075"/>
-            <a:ext cx="3933352" cy="2308324"/>
-          </a:xfrm>
-          <a:prstGeom prst="rect">
-            <a:avLst/>
-          </a:prstGeom>
-          <a:noFill/>
-          <a:ln w="19050">
-            <a:solidFill>
-              <a:schemeClr val="tx1"/>
-            </a:solidFill>
-          </a:ln>
-        </p:spPr>
-        <p:txBody>
-          <a:bodyPr wrap="square" rtlCol="0">
-            <a:spAutoFit/>
-          </a:bodyPr>
-          <a:lstStyle/>
-          <a:p>
-            <a:r>
-              <a:rPr lang="en-US" b="1" dirty="0" err="1">
-                <a:solidFill>
-                  <a:srgbClr val="0033CC"/>
-                </a:solidFill>
-              </a:rPr>
-              <a:t>N</a:t>
-            </a:r>
-            <a:r>
-              <a:rPr lang="en-US" b="1" baseline="-25000" dirty="0" err="1">
-                <a:solidFill>
-                  <a:srgbClr val="0033CC"/>
-                </a:solidFill>
-              </a:rPr>
-              <a:t>yob</a:t>
-            </a:r>
-            <a:r>
-              <a:rPr lang="en-US" dirty="0"/>
-              <a:t>: Drainage-wide run</a:t>
-            </a:r>
-          </a:p>
-          <a:p>
-            <a:r>
-              <a:rPr lang="en-US" dirty="0"/>
-              <a:t>(</a:t>
-            </a:r>
-            <a:r>
-              <a:rPr lang="en-US" dirty="0" err="1"/>
-              <a:t>Kalskag</a:t>
-            </a:r>
-            <a:r>
-              <a:rPr lang="en-US" dirty="0"/>
-              <a:t> MR+ </a:t>
-            </a:r>
-          </a:p>
-          <a:p>
-            <a:r>
-              <a:rPr lang="en-US" dirty="0"/>
-              <a:t>+Harvest below </a:t>
-            </a:r>
-            <a:r>
-              <a:rPr lang="en-US" dirty="0" err="1"/>
-              <a:t>Kalskag</a:t>
-            </a:r>
-            <a:r>
-              <a:rPr lang="en-US" dirty="0"/>
-              <a:t> </a:t>
-            </a:r>
-          </a:p>
-          <a:p>
-            <a:r>
-              <a:rPr lang="en-US" dirty="0"/>
-              <a:t>+</a:t>
-            </a:r>
-            <a:r>
-              <a:rPr lang="en-US" dirty="0" err="1"/>
-              <a:t>Kwethluk</a:t>
-            </a:r>
-            <a:r>
-              <a:rPr lang="en-US" dirty="0"/>
-              <a:t> + </a:t>
-            </a:r>
-            <a:r>
-              <a:rPr lang="en-US" dirty="0" err="1"/>
-              <a:t>Tuluksak</a:t>
-            </a:r>
-            <a:r>
-              <a:rPr lang="en-US" dirty="0"/>
-              <a:t> escapements</a:t>
-            </a:r>
-          </a:p>
-          <a:p>
-            <a:r>
-              <a:rPr lang="en-US" dirty="0"/>
-              <a:t>+ </a:t>
-            </a:r>
-            <a:r>
-              <a:rPr lang="en-US" dirty="0">
-                <a:solidFill>
-                  <a:srgbClr val="FF0000"/>
-                </a:solidFill>
-              </a:rPr>
-              <a:t>Unobserved</a:t>
-            </a:r>
-            <a:r>
-              <a:rPr lang="en-US" dirty="0"/>
-              <a:t> Esc (i.e., (</a:t>
-            </a:r>
-            <a:r>
-              <a:rPr lang="en-US" dirty="0" err="1"/>
-              <a:t>Kw+Tu</a:t>
-            </a:r>
-            <a:r>
-              <a:rPr lang="en-US" dirty="0"/>
-              <a:t> Esc)*S)</a:t>
-            </a:r>
-          </a:p>
-          <a:p>
-            <a:r>
-              <a:rPr lang="en-US" dirty="0"/>
-              <a:t>-----------------------------</a:t>
-            </a:r>
-          </a:p>
-          <a:p>
-            <a:r>
-              <a:rPr lang="en-US" dirty="0"/>
-              <a:t>Lower River MR + Harvest below + Unobserved Esc (Eek)</a:t>
-            </a:r>
-          </a:p>
-        </p:txBody>
-      </p:sp>
-      <p:cxnSp>
-        <p:nvCxnSpPr>
-          <p:cNvPr id="59" name="Straight Arrow Connector 58"/>
-          <p:cNvCxnSpPr/>
-          <p:nvPr/>
-        </p:nvCxnSpPr>
-        <p:spPr>
-          <a:xfrm flipV="1">
-            <a:off x="1791662" y="2845235"/>
-            <a:ext cx="0" cy="1370370"/>
-          </a:xfrm>
-          <a:prstGeom prst="straightConnector1">
-            <a:avLst/>
-          </a:prstGeom>
-          <a:ln w="25400">
-            <a:solidFill>
-              <a:schemeClr val="tx1"/>
-            </a:solidFill>
-            <a:tailEnd type="triangle"/>
-          </a:ln>
-        </p:spPr>
-        <p:style>
-          <a:lnRef idx="1">
-            <a:schemeClr val="accent1"/>
-          </a:lnRef>
-          <a:fillRef idx="0">
-            <a:schemeClr val="accent1"/>
-          </a:fillRef>
-          <a:effectRef idx="0">
-            <a:schemeClr val="accent1"/>
-          </a:effectRef>
-          <a:fontRef idx="minor">
-            <a:schemeClr val="tx1"/>
-          </a:fontRef>
-        </p:style>
-      </p:cxnSp>
-      <p:sp>
-        <p:nvSpPr>
-          <p:cNvPr id="13" name="Rectangle 12"/>
-          <p:cNvSpPr/>
-          <p:nvPr/>
-        </p:nvSpPr>
-        <p:spPr>
-          <a:xfrm>
-            <a:off x="7170913" y="1748776"/>
-            <a:ext cx="772071" cy="369332"/>
-          </a:xfrm>
-          <a:prstGeom prst="rect">
-            <a:avLst/>
-          </a:prstGeom>
-          <a:solidFill>
-            <a:schemeClr val="bg1"/>
-          </a:solidFill>
-        </p:spPr>
-        <p:txBody>
-          <a:bodyPr wrap="none" lIns="0" rIns="0">
-            <a:spAutoFit/>
-          </a:bodyPr>
-          <a:lstStyle/>
-          <a:p>
-            <a:r>
-              <a:rPr lang="en-US" dirty="0" err="1"/>
-              <a:t>E</a:t>
-            </a:r>
-            <a:r>
-              <a:rPr lang="en-US" baseline="-25000" dirty="0" err="1"/>
-              <a:t>y</a:t>
-            </a:r>
-            <a:r>
-              <a:rPr lang="en-US" dirty="0"/>
-              <a:t>=</a:t>
-            </a:r>
-            <a:r>
-              <a:rPr lang="en-US" dirty="0" err="1"/>
-              <a:t>N</a:t>
-            </a:r>
-            <a:r>
-              <a:rPr lang="en-US" baseline="-25000" dirty="0" err="1"/>
-              <a:t>y</a:t>
-            </a:r>
-            <a:r>
-              <a:rPr lang="en-US" dirty="0"/>
-              <a:t>-C</a:t>
-            </a:r>
-            <a:r>
-              <a:rPr lang="en-US" baseline="-25000" dirty="0"/>
-              <a:t>y</a:t>
-            </a:r>
-          </a:p>
-        </p:txBody>
-      </p:sp>
-      <p:sp>
-        <p:nvSpPr>
-          <p:cNvPr id="14" name="TextBox 13"/>
-          <p:cNvSpPr txBox="1"/>
-          <p:nvPr/>
-        </p:nvSpPr>
-        <p:spPr>
-          <a:xfrm>
-            <a:off x="1773179" y="1016469"/>
-            <a:ext cx="1468672" cy="646331"/>
-          </a:xfrm>
-          <a:prstGeom prst="rect">
-            <a:avLst/>
-          </a:prstGeom>
-          <a:ln/>
-        </p:spPr>
-        <p:style>
-          <a:lnRef idx="2">
-            <a:schemeClr val="accent1"/>
-          </a:lnRef>
-          <a:fillRef idx="1">
-            <a:schemeClr val="lt1"/>
-          </a:fillRef>
-          <a:effectRef idx="0">
-            <a:schemeClr val="accent1"/>
-          </a:effectRef>
-          <a:fontRef idx="minor">
-            <a:schemeClr val="dk1"/>
-          </a:fontRef>
-        </p:style>
-        <p:txBody>
-          <a:bodyPr wrap="none" rtlCol="0">
-            <a:spAutoFit/>
-          </a:bodyPr>
-          <a:lstStyle/>
-          <a:p>
-            <a:r>
-              <a:rPr lang="en-US" dirty="0">
-                <a:solidFill>
-                  <a:srgbClr val="0033CC"/>
-                </a:solidFill>
-              </a:rPr>
-              <a:t>Com CPUE</a:t>
-            </a:r>
-          </a:p>
-          <a:p>
-            <a:r>
-              <a:rPr lang="en-US" dirty="0">
-                <a:solidFill>
-                  <a:srgbClr val="0033CC"/>
-                </a:solidFill>
-              </a:rPr>
-              <a:t>N</a:t>
-            </a:r>
-            <a:r>
-              <a:rPr lang="en-US" baseline="-25000" dirty="0">
-                <a:solidFill>
-                  <a:srgbClr val="0033CC"/>
-                </a:solidFill>
-              </a:rPr>
-              <a:t>y</a:t>
-            </a:r>
-            <a:r>
-              <a:rPr lang="en-US" dirty="0">
-                <a:solidFill>
-                  <a:srgbClr val="0033CC"/>
-                </a:solidFill>
-              </a:rPr>
-              <a:t> = </a:t>
-            </a:r>
-            <a:r>
-              <a:rPr lang="en-US" b="1" dirty="0">
-                <a:solidFill>
-                  <a:srgbClr val="FF0000"/>
-                </a:solidFill>
-              </a:rPr>
-              <a:t>q</a:t>
-            </a:r>
-            <a:r>
-              <a:rPr lang="en-US" b="1" baseline="-25000" dirty="0">
-                <a:solidFill>
-                  <a:srgbClr val="FF0000"/>
-                </a:solidFill>
-              </a:rPr>
-              <a:t>i</a:t>
-            </a:r>
-            <a:r>
-              <a:rPr lang="en-US" b="1" baseline="-25000" dirty="0">
-                <a:solidFill>
-                  <a:srgbClr val="0033CC"/>
-                </a:solidFill>
-              </a:rPr>
-              <a:t>*</a:t>
-            </a:r>
-            <a:r>
-              <a:rPr lang="en-US" dirty="0" err="1">
-                <a:solidFill>
-                  <a:srgbClr val="0033CC"/>
-                </a:solidFill>
-              </a:rPr>
-              <a:t>CPUE</a:t>
-            </a:r>
-            <a:r>
-              <a:rPr lang="en-US" baseline="-25000" dirty="0" err="1">
-                <a:solidFill>
-                  <a:srgbClr val="0033CC"/>
-                </a:solidFill>
-              </a:rPr>
-              <a:t>k</a:t>
-            </a:r>
-            <a:endParaRPr lang="en-US" baseline="-25000" dirty="0">
-              <a:solidFill>
-                <a:srgbClr val="0033CC"/>
-              </a:solidFill>
-            </a:endParaRPr>
-          </a:p>
-        </p:txBody>
-      </p:sp>
-      <p:cxnSp>
-        <p:nvCxnSpPr>
-          <p:cNvPr id="17" name="Straight Arrow Connector 16"/>
-          <p:cNvCxnSpPr>
-            <a:stCxn id="14" idx="2"/>
-          </p:cNvCxnSpPr>
-          <p:nvPr/>
-        </p:nvCxnSpPr>
-        <p:spPr>
-          <a:xfrm>
-            <a:off x="2507515" y="1662800"/>
-            <a:ext cx="579547" cy="859270"/>
-          </a:xfrm>
-          <a:prstGeom prst="straightConnector1">
-            <a:avLst/>
-          </a:prstGeom>
-          <a:ln w="25400">
-            <a:solidFill>
-              <a:schemeClr val="tx1"/>
-            </a:solidFill>
-            <a:tailEnd type="triangle"/>
-          </a:ln>
-        </p:spPr>
-        <p:style>
-          <a:lnRef idx="1">
-            <a:schemeClr val="accent1"/>
-          </a:lnRef>
-          <a:fillRef idx="0">
-            <a:schemeClr val="accent1"/>
-          </a:fillRef>
-          <a:effectRef idx="0">
-            <a:schemeClr val="accent1"/>
-          </a:effectRef>
-          <a:fontRef idx="minor">
-            <a:schemeClr val="tx1"/>
-          </a:fontRef>
-        </p:style>
-      </p:cxnSp>
+            </p:spPr>
+            <p:txBody>
+              <a:bodyPr wrap="none" lIns="0" rIns="0">
+                <a:spAutoFit/>
+              </a:bodyPr>
+              <a:lstStyle/>
+              <a:p>
+                <a:r>
+                  <a:rPr lang="en-US" dirty="0" err="1"/>
+                  <a:t>E</a:t>
+                </a:r>
+                <a:r>
+                  <a:rPr lang="en-US" baseline="-25000" dirty="0" err="1"/>
+                  <a:t>y</a:t>
+                </a:r>
+                <a:r>
+                  <a:rPr lang="en-US" dirty="0"/>
+                  <a:t>=</a:t>
+                </a:r>
+                <a:r>
+                  <a:rPr lang="en-US" dirty="0" err="1"/>
+                  <a:t>N</a:t>
+                </a:r>
+                <a:r>
+                  <a:rPr lang="en-US" baseline="-25000" dirty="0" err="1"/>
+                  <a:t>y</a:t>
+                </a:r>
+                <a:r>
+                  <a:rPr lang="en-US" dirty="0"/>
+                  <a:t>-C</a:t>
+                </a:r>
+                <a:r>
+                  <a:rPr lang="en-US" baseline="-25000" dirty="0"/>
+                  <a:t>y</a:t>
+                </a:r>
+              </a:p>
+            </p:txBody>
+          </p:sp>
+          <p:sp>
+            <p:nvSpPr>
+              <p:cNvPr id="14" name="TextBox 13"/>
+              <p:cNvSpPr txBox="1"/>
+              <p:nvPr/>
+            </p:nvSpPr>
+            <p:spPr>
+              <a:xfrm>
+                <a:off x="1773179" y="1016469"/>
+                <a:ext cx="1468672" cy="646331"/>
+              </a:xfrm>
+              <a:prstGeom prst="rect">
+                <a:avLst/>
+              </a:prstGeom>
+              <a:ln/>
+            </p:spPr>
+            <p:style>
+              <a:lnRef idx="2">
+                <a:schemeClr val="accent1"/>
+              </a:lnRef>
+              <a:fillRef idx="1">
+                <a:schemeClr val="lt1"/>
+              </a:fillRef>
+              <a:effectRef idx="0">
+                <a:schemeClr val="accent1"/>
+              </a:effectRef>
+              <a:fontRef idx="minor">
+                <a:schemeClr val="dk1"/>
+              </a:fontRef>
+            </p:style>
+            <p:txBody>
+              <a:bodyPr wrap="none" rtlCol="0">
+                <a:spAutoFit/>
+              </a:bodyPr>
+              <a:lstStyle/>
+              <a:p>
+                <a:r>
+                  <a:rPr lang="en-US" dirty="0">
+                    <a:solidFill>
+                      <a:srgbClr val="0033CC"/>
+                    </a:solidFill>
+                  </a:rPr>
+                  <a:t>Com CPUE</a:t>
+                </a:r>
+              </a:p>
+              <a:p>
+                <a:r>
+                  <a:rPr lang="en-US" dirty="0">
+                    <a:solidFill>
+                      <a:srgbClr val="0033CC"/>
+                    </a:solidFill>
+                  </a:rPr>
+                  <a:t>N</a:t>
+                </a:r>
+                <a:r>
+                  <a:rPr lang="en-US" baseline="-25000" dirty="0">
+                    <a:solidFill>
+                      <a:srgbClr val="0033CC"/>
+                    </a:solidFill>
+                  </a:rPr>
+                  <a:t>y</a:t>
+                </a:r>
+                <a:r>
+                  <a:rPr lang="en-US" dirty="0">
+                    <a:solidFill>
+                      <a:srgbClr val="0033CC"/>
+                    </a:solidFill>
+                  </a:rPr>
+                  <a:t> = </a:t>
+                </a:r>
+                <a:r>
+                  <a:rPr lang="en-US" b="1" dirty="0">
+                    <a:solidFill>
+                      <a:srgbClr val="FF0000"/>
+                    </a:solidFill>
+                  </a:rPr>
+                  <a:t>q</a:t>
+                </a:r>
+                <a:r>
+                  <a:rPr lang="en-US" b="1" baseline="-25000" dirty="0">
+                    <a:solidFill>
+                      <a:srgbClr val="FF0000"/>
+                    </a:solidFill>
+                  </a:rPr>
+                  <a:t>i</a:t>
+                </a:r>
+                <a:r>
+                  <a:rPr lang="en-US" b="1" baseline="-25000" dirty="0">
+                    <a:solidFill>
+                      <a:srgbClr val="0033CC"/>
+                    </a:solidFill>
+                  </a:rPr>
+                  <a:t>*</a:t>
+                </a:r>
+                <a:r>
+                  <a:rPr lang="en-US" dirty="0" err="1">
+                    <a:solidFill>
+                      <a:srgbClr val="0033CC"/>
+                    </a:solidFill>
+                  </a:rPr>
+                  <a:t>CPUE</a:t>
+                </a:r>
+                <a:r>
+                  <a:rPr lang="en-US" baseline="-25000" dirty="0" err="1">
+                    <a:solidFill>
+                      <a:srgbClr val="0033CC"/>
+                    </a:solidFill>
+                  </a:rPr>
+                  <a:t>k</a:t>
+                </a:r>
+                <a:endParaRPr lang="en-US" baseline="-25000" dirty="0">
+                  <a:solidFill>
+                    <a:srgbClr val="0033CC"/>
+                  </a:solidFill>
+                </a:endParaRPr>
+              </a:p>
+            </p:txBody>
+          </p:sp>
+          <p:cxnSp>
+            <p:nvCxnSpPr>
+              <p:cNvPr id="17" name="Straight Arrow Connector 16"/>
+              <p:cNvCxnSpPr>
+                <a:cxnSpLocks/>
+                <a:stCxn id="14" idx="2"/>
+              </p:cNvCxnSpPr>
+              <p:nvPr/>
+            </p:nvCxnSpPr>
+            <p:spPr>
+              <a:xfrm>
+                <a:off x="2507515" y="1662800"/>
+                <a:ext cx="579547" cy="859270"/>
+              </a:xfrm>
+              <a:prstGeom prst="straightConnector1">
+                <a:avLst/>
+              </a:prstGeom>
+              <a:ln w="25400">
+                <a:solidFill>
+                  <a:schemeClr val="tx1"/>
+                </a:solidFill>
+                <a:tailEnd type="triangle"/>
+              </a:ln>
+            </p:spPr>
+            <p:style>
+              <a:lnRef idx="1">
+                <a:schemeClr val="accent1"/>
+              </a:lnRef>
+              <a:fillRef idx="0">
+                <a:schemeClr val="accent1"/>
+              </a:fillRef>
+              <a:effectRef idx="0">
+                <a:schemeClr val="accent1"/>
+              </a:effectRef>
+              <a:fontRef idx="minor">
+                <a:schemeClr val="tx1"/>
+              </a:fontRef>
+            </p:style>
+          </p:cxnSp>
+        </p:grpSp>
+      </p:grpSp>
     </p:spTree>
     <p:extLst>
       <p:ext uri="{BB962C8B-B14F-4D97-AF65-F5344CB8AC3E}">
@@ -7715,1798 +7760,1819 @@
           </a:p>
         </p:txBody>
       </p:sp>
-      <p:sp>
-        <p:nvSpPr>
-          <p:cNvPr id="30" name="TextBox 29"/>
-          <p:cNvSpPr txBox="1"/>
+      <p:grpSp>
+        <p:nvGrpSpPr>
+          <p:cNvPr id="4" name="Group 3">
+            <a:extLst>
+              <a:ext uri="{FF2B5EF4-FFF2-40B4-BE49-F238E27FC236}">
+                <a16:creationId xmlns:a16="http://schemas.microsoft.com/office/drawing/2014/main" id="{306A16F7-7836-5970-3872-1BEB65E8FBC4}"/>
+              </a:ext>
+            </a:extLst>
+          </p:cNvPr>
+          <p:cNvGrpSpPr/>
           <p:nvPr/>
-        </p:nvSpPr>
-        <p:spPr>
+        </p:nvGrpSpPr>
+        <p:grpSpPr>
           <a:xfrm>
-            <a:off x="7297387" y="1862982"/>
-            <a:ext cx="1371586" cy="830997"/>
+            <a:off x="209967" y="803537"/>
+            <a:ext cx="8500468" cy="5950930"/>
+            <a:chOff x="209967" y="803537"/>
+            <a:chExt cx="8500468" cy="5950930"/>
           </a:xfrm>
-          <a:prstGeom prst="rect">
-            <a:avLst/>
-          </a:prstGeom>
-          <a:noFill/>
-          <a:ln w="19050">
-            <a:solidFill>
+        </p:grpSpPr>
+        <p:sp>
+          <p:nvSpPr>
+            <p:cNvPr id="30" name="TextBox 29"/>
+            <p:cNvSpPr txBox="1"/>
+            <p:nvPr/>
+          </p:nvSpPr>
+          <p:spPr>
+            <a:xfrm>
+              <a:off x="7297387" y="1862982"/>
+              <a:ext cx="1371586" cy="830997"/>
+            </a:xfrm>
+            <a:prstGeom prst="rect">
+              <a:avLst/>
+            </a:prstGeom>
+            <a:noFill/>
+            <a:ln w="19050">
+              <a:solidFill>
+                <a:schemeClr val="tx1"/>
+              </a:solidFill>
+              <a:prstDash val="dash"/>
+            </a:ln>
+          </p:spPr>
+          <p:txBody>
+            <a:bodyPr wrap="square" rtlCol="0">
+              <a:spAutoFit/>
+            </a:bodyPr>
+            <a:lstStyle/>
+            <a:p>
+              <a:r>
+                <a:rPr lang="en-US" sz="1600" dirty="0"/>
+                <a:t>River </a:t>
+              </a:r>
+            </a:p>
+            <a:p>
+              <a:r>
+                <a:rPr lang="en-US" sz="1600" dirty="0"/>
+                <a:t>Escapement (E</a:t>
+              </a:r>
+              <a:r>
+                <a:rPr lang="en-US" sz="1600" baseline="-25000" dirty="0"/>
+                <a:t>y,</a:t>
+              </a:r>
+              <a:r>
+                <a:rPr lang="en-US" sz="1600" dirty="0"/>
+                <a:t>)</a:t>
+              </a:r>
+            </a:p>
+          </p:txBody>
+        </p:sp>
+        <p:cxnSp>
+          <p:nvCxnSpPr>
+            <p:cNvPr id="67" name="Straight Arrow Connector 66"/>
+            <p:cNvCxnSpPr>
+              <a:cxnSpLocks/>
+              <a:stCxn id="30" idx="2"/>
+            </p:cNvCxnSpPr>
+            <p:nvPr/>
+          </p:nvCxnSpPr>
+          <p:spPr>
+            <a:xfrm flipH="1">
+              <a:off x="7395107" y="2693979"/>
+              <a:ext cx="588073" cy="890389"/>
+            </a:xfrm>
+            <a:prstGeom prst="straightConnector1">
+              <a:avLst/>
+            </a:prstGeom>
+            <a:ln w="25400">
+              <a:solidFill>
+                <a:schemeClr val="tx1"/>
+              </a:solidFill>
+              <a:tailEnd type="triangle"/>
+            </a:ln>
+          </p:spPr>
+          <p:style>
+            <a:lnRef idx="1">
+              <a:schemeClr val="accent1"/>
+            </a:lnRef>
+            <a:fillRef idx="0">
+              <a:schemeClr val="accent1"/>
+            </a:fillRef>
+            <a:effectRef idx="0">
+              <a:schemeClr val="accent1"/>
+            </a:effectRef>
+            <a:fontRef idx="minor">
               <a:schemeClr val="tx1"/>
-            </a:solidFill>
-            <a:prstDash val="dash"/>
-          </a:ln>
-        </p:spPr>
-        <p:txBody>
-          <a:bodyPr wrap="square" rtlCol="0">
-            <a:spAutoFit/>
-          </a:bodyPr>
-          <a:lstStyle/>
-          <a:p>
-            <a:r>
-              <a:rPr lang="en-US" sz="1600" dirty="0"/>
-              <a:t>River </a:t>
-            </a:r>
-          </a:p>
-          <a:p>
-            <a:r>
-              <a:rPr lang="en-US" sz="1600" dirty="0"/>
-              <a:t>Escapement (E</a:t>
-            </a:r>
-            <a:r>
-              <a:rPr lang="en-US" sz="1600" baseline="-25000" dirty="0"/>
-              <a:t>y,</a:t>
-            </a:r>
-            <a:r>
-              <a:rPr lang="en-US" sz="1600" dirty="0"/>
-              <a:t>)</a:t>
-            </a:r>
-          </a:p>
-        </p:txBody>
-      </p:sp>
-      <p:cxnSp>
-        <p:nvCxnSpPr>
-          <p:cNvPr id="67" name="Straight Arrow Connector 66"/>
-          <p:cNvCxnSpPr>
-            <a:cxnSpLocks/>
-            <a:stCxn id="30" idx="2"/>
-          </p:cNvCxnSpPr>
-          <p:nvPr/>
-        </p:nvCxnSpPr>
-        <p:spPr>
-          <a:xfrm flipH="1">
-            <a:off x="7395107" y="2693979"/>
-            <a:ext cx="588073" cy="890389"/>
-          </a:xfrm>
-          <a:prstGeom prst="straightConnector1">
-            <a:avLst/>
-          </a:prstGeom>
-          <a:ln w="25400">
-            <a:solidFill>
+            </a:fontRef>
+          </p:style>
+        </p:cxnSp>
+        <p:sp>
+          <p:nvSpPr>
+            <p:cNvPr id="77" name="TextBox 76"/>
+            <p:cNvSpPr txBox="1"/>
+            <p:nvPr/>
+          </p:nvSpPr>
+          <p:spPr>
+            <a:xfrm>
+              <a:off x="2086069" y="860408"/>
+              <a:ext cx="1443144" cy="584775"/>
+            </a:xfrm>
+            <a:prstGeom prst="rect">
+              <a:avLst/>
+            </a:prstGeom>
+            <a:ln/>
+          </p:spPr>
+          <p:style>
+            <a:lnRef idx="2">
+              <a:schemeClr val="accent1"/>
+            </a:lnRef>
+            <a:fillRef idx="1">
+              <a:schemeClr val="lt1"/>
+            </a:fillRef>
+            <a:effectRef idx="0">
+              <a:schemeClr val="accent1"/>
+            </a:effectRef>
+            <a:fontRef idx="minor">
+              <a:schemeClr val="dk1"/>
+            </a:fontRef>
+          </p:style>
+          <p:txBody>
+            <a:bodyPr wrap="square" rtlCol="0">
+              <a:spAutoFit/>
+            </a:bodyPr>
+            <a:lstStyle/>
+            <a:p>
+              <a:r>
+                <a:rPr lang="en-US" sz="1600" dirty="0">
+                  <a:solidFill>
+                    <a:srgbClr val="0033CC"/>
+                  </a:solidFill>
+                </a:rPr>
+                <a:t>Lower Harvest </a:t>
+              </a:r>
+            </a:p>
+            <a:p>
+              <a:r>
+                <a:rPr lang="en-US" sz="1600" dirty="0">
+                  <a:solidFill>
+                    <a:srgbClr val="0033CC"/>
+                  </a:solidFill>
+                </a:rPr>
+                <a:t>(</a:t>
+              </a:r>
+              <a:r>
+                <a:rPr lang="en-US" sz="1600" dirty="0" err="1">
+                  <a:solidFill>
+                    <a:srgbClr val="0033CC"/>
+                  </a:solidFill>
+                </a:rPr>
+                <a:t>H</a:t>
+              </a:r>
+              <a:r>
+                <a:rPr lang="en-US" sz="1600" baseline="-25000" dirty="0" err="1">
+                  <a:solidFill>
+                    <a:srgbClr val="0033CC"/>
+                  </a:solidFill>
+                </a:rPr>
+                <a:t>y,l</a:t>
+              </a:r>
+              <a:r>
+                <a:rPr lang="en-US" sz="1600" baseline="-25000" dirty="0">
+                  <a:solidFill>
+                    <a:srgbClr val="0033CC"/>
+                  </a:solidFill>
+                </a:rPr>
+                <a:t> </a:t>
+              </a:r>
+              <a:r>
+                <a:rPr lang="en-US" sz="1600" dirty="0">
+                  <a:solidFill>
+                    <a:srgbClr val="0033CC"/>
+                  </a:solidFill>
+                </a:rPr>
+                <a:t>= </a:t>
+              </a:r>
+              <a:r>
+                <a:rPr lang="en-US" sz="1600" b="1" dirty="0" err="1">
+                  <a:solidFill>
+                    <a:srgbClr val="FF0000"/>
+                  </a:solidFill>
+                </a:rPr>
+                <a:t>U</a:t>
+              </a:r>
+              <a:r>
+                <a:rPr lang="en-US" sz="1600" b="1" baseline="-25000" dirty="0" err="1">
+                  <a:solidFill>
+                    <a:srgbClr val="FF0000"/>
+                  </a:solidFill>
+                </a:rPr>
+                <a:t>y,l</a:t>
+              </a:r>
+              <a:r>
+                <a:rPr lang="en-US" sz="1600" dirty="0" err="1">
+                  <a:solidFill>
+                    <a:srgbClr val="0033CC"/>
+                  </a:solidFill>
+                </a:rPr>
+                <a:t>N</a:t>
+              </a:r>
+              <a:r>
+                <a:rPr lang="en-US" sz="1600" baseline="-25000" dirty="0" err="1">
+                  <a:solidFill>
+                    <a:srgbClr val="0033CC"/>
+                  </a:solidFill>
+                </a:rPr>
+                <a:t>y</a:t>
+              </a:r>
+              <a:r>
+                <a:rPr lang="en-US" sz="1600" dirty="0">
+                  <a:solidFill>
+                    <a:srgbClr val="0033CC"/>
+                  </a:solidFill>
+                </a:rPr>
+                <a:t>) </a:t>
+              </a:r>
+            </a:p>
+          </p:txBody>
+        </p:sp>
+        <p:sp>
+          <p:nvSpPr>
+            <p:cNvPr id="78" name="TextBox 77"/>
+            <p:cNvSpPr txBox="1"/>
+            <p:nvPr/>
+          </p:nvSpPr>
+          <p:spPr>
+            <a:xfrm>
+              <a:off x="228608" y="2034356"/>
+              <a:ext cx="1359549" cy="338554"/>
+            </a:xfrm>
+            <a:prstGeom prst="rect">
+              <a:avLst/>
+            </a:prstGeom>
+            <a:noFill/>
+            <a:ln w="19050">
+              <a:solidFill>
+                <a:schemeClr val="tx1"/>
+              </a:solidFill>
+              <a:prstDash val="dash"/>
+            </a:ln>
+          </p:spPr>
+          <p:txBody>
+            <a:bodyPr wrap="square" lIns="0" rIns="0" rtlCol="0">
+              <a:spAutoFit/>
+            </a:bodyPr>
+            <a:lstStyle/>
+            <a:p>
+              <a:pPr algn="ctr"/>
+              <a:r>
+                <a:rPr lang="en-US" sz="1600" dirty="0"/>
+                <a:t>River Run (</a:t>
+              </a:r>
+              <a:r>
+                <a:rPr lang="en-US" sz="1600" b="1" dirty="0">
+                  <a:solidFill>
+                    <a:srgbClr val="FF0000"/>
+                  </a:solidFill>
+                </a:rPr>
+                <a:t>N</a:t>
+              </a:r>
+              <a:r>
+                <a:rPr lang="en-US" sz="1600" b="1" baseline="-25000" dirty="0">
+                  <a:solidFill>
+                    <a:srgbClr val="FF0000"/>
+                  </a:solidFill>
+                </a:rPr>
+                <a:t>y</a:t>
+              </a:r>
+              <a:r>
+                <a:rPr lang="en-US" sz="1600" dirty="0"/>
+                <a:t>)</a:t>
+              </a:r>
+            </a:p>
+          </p:txBody>
+        </p:sp>
+        <p:cxnSp>
+          <p:nvCxnSpPr>
+            <p:cNvPr id="86" name="Straight Arrow Connector 85"/>
+            <p:cNvCxnSpPr/>
+            <p:nvPr/>
+          </p:nvCxnSpPr>
+          <p:spPr>
+            <a:xfrm flipV="1">
+              <a:off x="2475916" y="1469800"/>
+              <a:ext cx="0" cy="768188"/>
+            </a:xfrm>
+            <a:prstGeom prst="straightConnector1">
+              <a:avLst/>
+            </a:prstGeom>
+            <a:ln w="25400">
+              <a:solidFill>
+                <a:schemeClr val="tx1"/>
+              </a:solidFill>
+              <a:tailEnd type="triangle"/>
+            </a:ln>
+          </p:spPr>
+          <p:style>
+            <a:lnRef idx="1">
+              <a:schemeClr val="accent1"/>
+            </a:lnRef>
+            <a:fillRef idx="0">
+              <a:schemeClr val="accent1"/>
+            </a:fillRef>
+            <a:effectRef idx="0">
+              <a:schemeClr val="accent1"/>
+            </a:effectRef>
+            <a:fontRef idx="minor">
               <a:schemeClr val="tx1"/>
-            </a:solidFill>
-            <a:tailEnd type="triangle"/>
-          </a:ln>
-        </p:spPr>
-        <p:style>
-          <a:lnRef idx="1">
-            <a:schemeClr val="accent1"/>
-          </a:lnRef>
-          <a:fillRef idx="0">
-            <a:schemeClr val="accent1"/>
-          </a:fillRef>
-          <a:effectRef idx="0">
-            <a:schemeClr val="accent1"/>
-          </a:effectRef>
-          <a:fontRef idx="minor">
-            <a:schemeClr val="tx1"/>
-          </a:fontRef>
-        </p:style>
-      </p:cxnSp>
-      <p:sp>
-        <p:nvSpPr>
-          <p:cNvPr id="77" name="TextBox 76"/>
-          <p:cNvSpPr txBox="1"/>
-          <p:nvPr/>
-        </p:nvSpPr>
-        <p:spPr>
-          <a:xfrm>
-            <a:off x="2086069" y="860408"/>
-            <a:ext cx="1443144" cy="584775"/>
-          </a:xfrm>
-          <a:prstGeom prst="rect">
-            <a:avLst/>
-          </a:prstGeom>
-          <a:ln/>
-        </p:spPr>
-        <p:style>
-          <a:lnRef idx="2">
-            <a:schemeClr val="accent1"/>
-          </a:lnRef>
-          <a:fillRef idx="1">
-            <a:schemeClr val="lt1"/>
-          </a:fillRef>
-          <a:effectRef idx="0">
-            <a:schemeClr val="accent1"/>
-          </a:effectRef>
-          <a:fontRef idx="minor">
-            <a:schemeClr val="dk1"/>
-          </a:fontRef>
-        </p:style>
-        <p:txBody>
-          <a:bodyPr wrap="square" rtlCol="0">
-            <a:spAutoFit/>
-          </a:bodyPr>
-          <a:lstStyle/>
-          <a:p>
-            <a:r>
-              <a:rPr lang="en-US" sz="1600" dirty="0">
+            </a:fontRef>
+          </p:style>
+        </p:cxnSp>
+        <p:cxnSp>
+          <p:nvCxnSpPr>
+            <p:cNvPr id="64" name="Straight Arrow Connector 63"/>
+            <p:cNvCxnSpPr>
+              <a:cxnSpLocks/>
+              <a:endCxn id="14" idx="1"/>
+            </p:cNvCxnSpPr>
+            <p:nvPr/>
+          </p:nvCxnSpPr>
+          <p:spPr>
+            <a:xfrm>
+              <a:off x="1594011" y="2204174"/>
+              <a:ext cx="1692000" cy="9279"/>
+            </a:xfrm>
+            <a:prstGeom prst="straightConnector1">
+              <a:avLst/>
+            </a:prstGeom>
+            <a:ln w="25400">
+              <a:solidFill>
+                <a:schemeClr val="tx1"/>
+              </a:solidFill>
+              <a:tailEnd type="triangle"/>
+            </a:ln>
+          </p:spPr>
+          <p:style>
+            <a:lnRef idx="1">
+              <a:schemeClr val="accent1"/>
+            </a:lnRef>
+            <a:fillRef idx="0">
+              <a:schemeClr val="accent1"/>
+            </a:fillRef>
+            <a:effectRef idx="0">
+              <a:schemeClr val="accent1"/>
+            </a:effectRef>
+            <a:fontRef idx="minor">
+              <a:schemeClr val="tx1"/>
+            </a:fontRef>
+          </p:style>
+        </p:cxnSp>
+        <p:sp>
+          <p:nvSpPr>
+            <p:cNvPr id="14" name="TextBox 13"/>
+            <p:cNvSpPr txBox="1"/>
+            <p:nvPr/>
+          </p:nvSpPr>
+          <p:spPr>
+            <a:xfrm>
+              <a:off x="3286011" y="1921065"/>
+              <a:ext cx="992207" cy="584775"/>
+            </a:xfrm>
+            <a:prstGeom prst="rect">
+              <a:avLst/>
+            </a:prstGeom>
+            <a:noFill/>
+            <a:ln w="19050">
+              <a:solidFill>
+                <a:schemeClr val="tx1"/>
+              </a:solidFill>
+              <a:prstDash val="dash"/>
+            </a:ln>
+          </p:spPr>
+          <p:txBody>
+            <a:bodyPr wrap="square" rtlCol="0">
+              <a:spAutoFit/>
+            </a:bodyPr>
+            <a:lstStyle/>
+            <a:p>
+              <a:r>
+                <a:rPr lang="en-US" sz="1600" dirty="0"/>
+                <a:t>Lower</a:t>
+              </a:r>
+            </a:p>
+            <a:p>
+              <a:r>
+                <a:rPr lang="en-US" sz="1600" dirty="0"/>
+                <a:t>Run (</a:t>
+              </a:r>
+              <a:r>
+                <a:rPr lang="en-US" sz="1600" dirty="0" err="1"/>
+                <a:t>N</a:t>
+              </a:r>
+              <a:r>
+                <a:rPr lang="en-US" sz="1600" baseline="-25000" dirty="0" err="1"/>
+                <a:t>y,l</a:t>
+              </a:r>
+              <a:r>
+                <a:rPr lang="en-US" sz="1600" dirty="0"/>
+                <a:t>) </a:t>
+              </a:r>
+            </a:p>
+          </p:txBody>
+        </p:sp>
+        <p:cxnSp>
+          <p:nvCxnSpPr>
+            <p:cNvPr id="16" name="Straight Arrow Connector 15"/>
+            <p:cNvCxnSpPr>
+              <a:cxnSpLocks/>
+            </p:cNvCxnSpPr>
+            <p:nvPr/>
+          </p:nvCxnSpPr>
+          <p:spPr>
+            <a:xfrm flipV="1">
+              <a:off x="4291865" y="2163452"/>
+              <a:ext cx="3005522" cy="19496"/>
+            </a:xfrm>
+            <a:prstGeom prst="straightConnector1">
+              <a:avLst/>
+            </a:prstGeom>
+            <a:ln w="25400">
+              <a:solidFill>
+                <a:schemeClr val="tx1"/>
+              </a:solidFill>
+              <a:tailEnd type="triangle"/>
+            </a:ln>
+          </p:spPr>
+          <p:style>
+            <a:lnRef idx="1">
+              <a:schemeClr val="accent1"/>
+            </a:lnRef>
+            <a:fillRef idx="0">
+              <a:schemeClr val="accent1"/>
+            </a:fillRef>
+            <a:effectRef idx="0">
+              <a:schemeClr val="accent1"/>
+            </a:effectRef>
+            <a:fontRef idx="minor">
+              <a:schemeClr val="tx1"/>
+            </a:fontRef>
+          </p:style>
+        </p:cxnSp>
+        <p:sp>
+          <p:nvSpPr>
+            <p:cNvPr id="34" name="TextBox 33"/>
+            <p:cNvSpPr txBox="1"/>
+            <p:nvPr/>
+          </p:nvSpPr>
+          <p:spPr>
+            <a:xfrm>
+              <a:off x="4291865" y="893749"/>
+              <a:ext cx="1392561" cy="584775"/>
+            </a:xfrm>
+            <a:prstGeom prst="rect">
+              <a:avLst/>
+            </a:prstGeom>
+            <a:ln/>
+          </p:spPr>
+          <p:style>
+            <a:lnRef idx="2">
+              <a:schemeClr val="accent1"/>
+            </a:lnRef>
+            <a:fillRef idx="1">
+              <a:schemeClr val="lt1"/>
+            </a:fillRef>
+            <a:effectRef idx="0">
+              <a:schemeClr val="accent1"/>
+            </a:effectRef>
+            <a:fontRef idx="minor">
+              <a:schemeClr val="dk1"/>
+            </a:fontRef>
+          </p:style>
+          <p:txBody>
+            <a:bodyPr wrap="none" rtlCol="0">
+              <a:spAutoFit/>
+            </a:bodyPr>
+            <a:lstStyle/>
+            <a:p>
+              <a:r>
+                <a:rPr lang="en-US" sz="1600" dirty="0">
+                  <a:solidFill>
+                    <a:srgbClr val="0033CC"/>
+                  </a:solidFill>
+                </a:rPr>
+                <a:t>Upper Harvest</a:t>
+              </a:r>
+            </a:p>
+            <a:p>
+              <a:r>
+                <a:rPr lang="en-US" sz="1600" dirty="0">
+                  <a:solidFill>
+                    <a:srgbClr val="0033CC"/>
+                  </a:solidFill>
+                </a:rPr>
+                <a:t>(</a:t>
+              </a:r>
+              <a:r>
+                <a:rPr lang="en-US" sz="1600" dirty="0" err="1">
+                  <a:solidFill>
+                    <a:srgbClr val="0033CC"/>
+                  </a:solidFill>
+                </a:rPr>
+                <a:t>H</a:t>
+              </a:r>
+              <a:r>
+                <a:rPr lang="en-US" sz="1600" baseline="-25000" dirty="0" err="1">
+                  <a:solidFill>
+                    <a:srgbClr val="0033CC"/>
+                  </a:solidFill>
+                </a:rPr>
+                <a:t>y,u</a:t>
+              </a:r>
+              <a:r>
+                <a:rPr lang="en-US" sz="1600" baseline="-25000" dirty="0">
+                  <a:solidFill>
+                    <a:srgbClr val="0033CC"/>
+                  </a:solidFill>
+                </a:rPr>
+                <a:t> </a:t>
+              </a:r>
+              <a:r>
+                <a:rPr lang="en-US" sz="1600" dirty="0">
+                  <a:solidFill>
+                    <a:srgbClr val="0033CC"/>
+                  </a:solidFill>
+                </a:rPr>
+                <a:t>= </a:t>
+              </a:r>
+              <a:r>
+                <a:rPr lang="en-US" sz="1600" b="1" dirty="0" err="1">
+                  <a:solidFill>
+                    <a:srgbClr val="FF0000"/>
+                  </a:solidFill>
+                </a:rPr>
+                <a:t>U</a:t>
+              </a:r>
+              <a:r>
+                <a:rPr lang="en-US" sz="1600" b="1" baseline="-25000" dirty="0" err="1">
+                  <a:solidFill>
+                    <a:srgbClr val="FF0000"/>
+                  </a:solidFill>
+                </a:rPr>
+                <a:t>y,u</a:t>
+              </a:r>
+              <a:r>
+                <a:rPr lang="en-US" sz="1600" dirty="0" err="1">
+                  <a:solidFill>
+                    <a:srgbClr val="0033CC"/>
+                  </a:solidFill>
+                </a:rPr>
+                <a:t>N</a:t>
+              </a:r>
+              <a:r>
+                <a:rPr lang="en-US" sz="1600" baseline="-25000" dirty="0" err="1">
+                  <a:solidFill>
+                    <a:srgbClr val="0033CC"/>
+                  </a:solidFill>
+                </a:rPr>
+                <a:t>y,l</a:t>
+              </a:r>
+              <a:endParaRPr lang="en-US" sz="1600" dirty="0">
                 <a:solidFill>
                   <a:srgbClr val="0033CC"/>
                 </a:solidFill>
-              </a:rPr>
-              <a:t>Lower Harvest </a:t>
-            </a:r>
-          </a:p>
-          <a:p>
-            <a:r>
-              <a:rPr lang="en-US" sz="1600" dirty="0">
-                <a:solidFill>
-                  <a:srgbClr val="0033CC"/>
-                </a:solidFill>
-              </a:rPr>
-              <a:t>(</a:t>
-            </a:r>
-            <a:r>
-              <a:rPr lang="en-US" sz="1600" dirty="0" err="1">
-                <a:solidFill>
-                  <a:srgbClr val="0033CC"/>
-                </a:solidFill>
-              </a:rPr>
-              <a:t>H</a:t>
-            </a:r>
-            <a:r>
-              <a:rPr lang="en-US" sz="1600" baseline="-25000" dirty="0" err="1">
-                <a:solidFill>
-                  <a:srgbClr val="0033CC"/>
-                </a:solidFill>
-              </a:rPr>
-              <a:t>y,l</a:t>
-            </a:r>
-            <a:r>
-              <a:rPr lang="en-US" sz="1600" baseline="-25000" dirty="0">
-                <a:solidFill>
-                  <a:srgbClr val="0033CC"/>
-                </a:solidFill>
-              </a:rPr>
-              <a:t> </a:t>
-            </a:r>
-            <a:r>
-              <a:rPr lang="en-US" sz="1600" dirty="0">
-                <a:solidFill>
-                  <a:srgbClr val="0033CC"/>
-                </a:solidFill>
-              </a:rPr>
-              <a:t>= </a:t>
-            </a:r>
-            <a:r>
-              <a:rPr lang="en-US" sz="1600" b="1" dirty="0" err="1">
-                <a:solidFill>
-                  <a:srgbClr val="FF0000"/>
-                </a:solidFill>
-              </a:rPr>
-              <a:t>U</a:t>
-            </a:r>
-            <a:r>
-              <a:rPr lang="en-US" sz="1600" b="1" baseline="-25000" dirty="0" err="1">
-                <a:solidFill>
-                  <a:srgbClr val="FF0000"/>
-                </a:solidFill>
-              </a:rPr>
-              <a:t>y,l</a:t>
-            </a:r>
-            <a:r>
-              <a:rPr lang="en-US" sz="1600" dirty="0" err="1">
-                <a:solidFill>
-                  <a:srgbClr val="0033CC"/>
-                </a:solidFill>
-              </a:rPr>
-              <a:t>N</a:t>
-            </a:r>
-            <a:r>
-              <a:rPr lang="en-US" sz="1600" baseline="-25000" dirty="0" err="1">
-                <a:solidFill>
-                  <a:srgbClr val="0033CC"/>
-                </a:solidFill>
-              </a:rPr>
-              <a:t>y</a:t>
-            </a:r>
-            <a:r>
-              <a:rPr lang="en-US" sz="1600" dirty="0">
-                <a:solidFill>
-                  <a:srgbClr val="0033CC"/>
-                </a:solidFill>
-              </a:rPr>
-              <a:t>) </a:t>
-            </a:r>
-          </a:p>
-        </p:txBody>
-      </p:sp>
-      <p:sp>
-        <p:nvSpPr>
-          <p:cNvPr id="78" name="TextBox 77"/>
-          <p:cNvSpPr txBox="1"/>
-          <p:nvPr/>
-        </p:nvSpPr>
-        <p:spPr>
-          <a:xfrm>
-            <a:off x="228608" y="2034356"/>
-            <a:ext cx="1359549" cy="338554"/>
-          </a:xfrm>
-          <a:prstGeom prst="rect">
-            <a:avLst/>
-          </a:prstGeom>
-          <a:noFill/>
-          <a:ln w="19050">
-            <a:solidFill>
+              </a:endParaRPr>
+            </a:p>
+          </p:txBody>
+        </p:sp>
+        <p:cxnSp>
+          <p:nvCxnSpPr>
+            <p:cNvPr id="44" name="Straight Arrow Connector 43"/>
+            <p:cNvCxnSpPr>
+              <a:cxnSpLocks/>
+            </p:cNvCxnSpPr>
+            <p:nvPr/>
+          </p:nvCxnSpPr>
+          <p:spPr>
+            <a:xfrm flipH="1" flipV="1">
+              <a:off x="5126230" y="1469800"/>
+              <a:ext cx="10578" cy="745791"/>
+            </a:xfrm>
+            <a:prstGeom prst="straightConnector1">
+              <a:avLst/>
+            </a:prstGeom>
+            <a:ln w="25400">
+              <a:solidFill>
+                <a:schemeClr val="tx1"/>
+              </a:solidFill>
+              <a:tailEnd type="triangle"/>
+            </a:ln>
+          </p:spPr>
+          <p:style>
+            <a:lnRef idx="1">
+              <a:schemeClr val="accent1"/>
+            </a:lnRef>
+            <a:fillRef idx="0">
+              <a:schemeClr val="accent1"/>
+            </a:fillRef>
+            <a:effectRef idx="0">
+              <a:schemeClr val="accent1"/>
+            </a:effectRef>
+            <a:fontRef idx="minor">
               <a:schemeClr val="tx1"/>
-            </a:solidFill>
-            <a:prstDash val="dash"/>
-          </a:ln>
-        </p:spPr>
-        <p:txBody>
-          <a:bodyPr wrap="square" lIns="0" rIns="0" rtlCol="0">
-            <a:spAutoFit/>
-          </a:bodyPr>
-          <a:lstStyle/>
-          <a:p>
-            <a:pPr algn="ctr"/>
-            <a:r>
-              <a:rPr lang="en-US" sz="1600" dirty="0"/>
-              <a:t>River Run (</a:t>
-            </a:r>
-            <a:r>
-              <a:rPr lang="en-US" sz="1600" b="1" dirty="0">
-                <a:solidFill>
-                  <a:srgbClr val="FF0000"/>
-                </a:solidFill>
-              </a:rPr>
-              <a:t>N</a:t>
-            </a:r>
-            <a:r>
-              <a:rPr lang="en-US" sz="1600" b="1" baseline="-25000" dirty="0">
-                <a:solidFill>
-                  <a:srgbClr val="FF0000"/>
-                </a:solidFill>
-              </a:rPr>
-              <a:t>y</a:t>
-            </a:r>
-            <a:r>
-              <a:rPr lang="en-US" sz="1600" dirty="0"/>
-              <a:t>)</a:t>
-            </a:r>
-          </a:p>
-        </p:txBody>
-      </p:sp>
-      <p:cxnSp>
-        <p:nvCxnSpPr>
-          <p:cNvPr id="86" name="Straight Arrow Connector 85"/>
-          <p:cNvCxnSpPr/>
-          <p:nvPr/>
-        </p:nvCxnSpPr>
-        <p:spPr>
-          <a:xfrm flipV="1">
-            <a:off x="2475916" y="1469800"/>
-            <a:ext cx="0" cy="768188"/>
-          </a:xfrm>
-          <a:prstGeom prst="straightConnector1">
-            <a:avLst/>
-          </a:prstGeom>
-          <a:ln w="25400">
-            <a:solidFill>
-              <a:schemeClr val="tx1"/>
-            </a:solidFill>
-            <a:tailEnd type="triangle"/>
-          </a:ln>
-        </p:spPr>
-        <p:style>
-          <a:lnRef idx="1">
-            <a:schemeClr val="accent1"/>
-          </a:lnRef>
-          <a:fillRef idx="0">
-            <a:schemeClr val="accent1"/>
-          </a:fillRef>
-          <a:effectRef idx="0">
-            <a:schemeClr val="accent1"/>
-          </a:effectRef>
-          <a:fontRef idx="minor">
-            <a:schemeClr val="tx1"/>
-          </a:fontRef>
-        </p:style>
-      </p:cxnSp>
-      <p:cxnSp>
-        <p:nvCxnSpPr>
-          <p:cNvPr id="64" name="Straight Arrow Connector 63"/>
-          <p:cNvCxnSpPr>
-            <a:cxnSpLocks/>
-            <a:endCxn id="14" idx="1"/>
-          </p:cNvCxnSpPr>
-          <p:nvPr/>
-        </p:nvCxnSpPr>
-        <p:spPr>
-          <a:xfrm>
-            <a:off x="1594011" y="2204174"/>
-            <a:ext cx="1692000" cy="9279"/>
-          </a:xfrm>
-          <a:prstGeom prst="straightConnector1">
-            <a:avLst/>
-          </a:prstGeom>
-          <a:ln w="25400">
-            <a:solidFill>
-              <a:schemeClr val="tx1"/>
-            </a:solidFill>
-            <a:tailEnd type="triangle"/>
-          </a:ln>
-        </p:spPr>
-        <p:style>
-          <a:lnRef idx="1">
-            <a:schemeClr val="accent1"/>
-          </a:lnRef>
-          <a:fillRef idx="0">
-            <a:schemeClr val="accent1"/>
-          </a:fillRef>
-          <a:effectRef idx="0">
-            <a:schemeClr val="accent1"/>
-          </a:effectRef>
-          <a:fontRef idx="minor">
-            <a:schemeClr val="tx1"/>
-          </a:fontRef>
-        </p:style>
-      </p:cxnSp>
-      <p:sp>
-        <p:nvSpPr>
-          <p:cNvPr id="14" name="TextBox 13"/>
-          <p:cNvSpPr txBox="1"/>
-          <p:nvPr/>
-        </p:nvSpPr>
-        <p:spPr>
-          <a:xfrm>
-            <a:off x="3286011" y="1921065"/>
-            <a:ext cx="992207" cy="584775"/>
-          </a:xfrm>
-          <a:prstGeom prst="rect">
-            <a:avLst/>
-          </a:prstGeom>
-          <a:noFill/>
-          <a:ln w="19050">
-            <a:solidFill>
-              <a:schemeClr val="tx1"/>
-            </a:solidFill>
-            <a:prstDash val="dash"/>
-          </a:ln>
-        </p:spPr>
-        <p:txBody>
-          <a:bodyPr wrap="square" rtlCol="0">
-            <a:spAutoFit/>
-          </a:bodyPr>
-          <a:lstStyle/>
-          <a:p>
-            <a:r>
-              <a:rPr lang="en-US" sz="1600" dirty="0"/>
-              <a:t>Lower</a:t>
-            </a:r>
-          </a:p>
-          <a:p>
-            <a:r>
-              <a:rPr lang="en-US" sz="1600" dirty="0"/>
-              <a:t>Run (</a:t>
-            </a:r>
-            <a:r>
-              <a:rPr lang="en-US" sz="1600" dirty="0" err="1"/>
-              <a:t>N</a:t>
-            </a:r>
-            <a:r>
-              <a:rPr lang="en-US" sz="1600" baseline="-25000" dirty="0" err="1"/>
-              <a:t>y,l</a:t>
-            </a:r>
-            <a:r>
-              <a:rPr lang="en-US" sz="1600" dirty="0"/>
-              <a:t>) </a:t>
-            </a:r>
-          </a:p>
-        </p:txBody>
-      </p:sp>
-      <p:cxnSp>
-        <p:nvCxnSpPr>
-          <p:cNvPr id="16" name="Straight Arrow Connector 15"/>
-          <p:cNvCxnSpPr>
-            <a:cxnSpLocks/>
-          </p:cNvCxnSpPr>
-          <p:nvPr/>
-        </p:nvCxnSpPr>
-        <p:spPr>
-          <a:xfrm flipV="1">
-            <a:off x="4291865" y="2163452"/>
-            <a:ext cx="3005522" cy="19496"/>
-          </a:xfrm>
-          <a:prstGeom prst="straightConnector1">
-            <a:avLst/>
-          </a:prstGeom>
-          <a:ln w="25400">
-            <a:solidFill>
-              <a:schemeClr val="tx1"/>
-            </a:solidFill>
-            <a:tailEnd type="triangle"/>
-          </a:ln>
-        </p:spPr>
-        <p:style>
-          <a:lnRef idx="1">
-            <a:schemeClr val="accent1"/>
-          </a:lnRef>
-          <a:fillRef idx="0">
-            <a:schemeClr val="accent1"/>
-          </a:fillRef>
-          <a:effectRef idx="0">
-            <a:schemeClr val="accent1"/>
-          </a:effectRef>
-          <a:fontRef idx="minor">
-            <a:schemeClr val="tx1"/>
-          </a:fontRef>
-        </p:style>
-      </p:cxnSp>
-      <p:sp>
-        <p:nvSpPr>
-          <p:cNvPr id="34" name="TextBox 33"/>
-          <p:cNvSpPr txBox="1"/>
-          <p:nvPr/>
-        </p:nvSpPr>
-        <p:spPr>
-          <a:xfrm>
-            <a:off x="4291865" y="893749"/>
-            <a:ext cx="1392561" cy="584775"/>
-          </a:xfrm>
-          <a:prstGeom prst="rect">
-            <a:avLst/>
-          </a:prstGeom>
-          <a:ln/>
-        </p:spPr>
-        <p:style>
-          <a:lnRef idx="2">
-            <a:schemeClr val="accent1"/>
-          </a:lnRef>
-          <a:fillRef idx="1">
-            <a:schemeClr val="lt1"/>
-          </a:fillRef>
-          <a:effectRef idx="0">
-            <a:schemeClr val="accent1"/>
-          </a:effectRef>
-          <a:fontRef idx="minor">
-            <a:schemeClr val="dk1"/>
-          </a:fontRef>
-        </p:style>
-        <p:txBody>
-          <a:bodyPr wrap="none" rtlCol="0">
-            <a:spAutoFit/>
-          </a:bodyPr>
-          <a:lstStyle/>
-          <a:p>
-            <a:r>
-              <a:rPr lang="en-US" sz="1600" dirty="0">
-                <a:solidFill>
-                  <a:srgbClr val="0033CC"/>
-                </a:solidFill>
-              </a:rPr>
-              <a:t>Upper Harvest</a:t>
-            </a:r>
-          </a:p>
-          <a:p>
-            <a:r>
-              <a:rPr lang="en-US" sz="1600" dirty="0">
-                <a:solidFill>
-                  <a:srgbClr val="0033CC"/>
-                </a:solidFill>
-              </a:rPr>
-              <a:t>(</a:t>
-            </a:r>
-            <a:r>
-              <a:rPr lang="en-US" sz="1600" dirty="0" err="1">
-                <a:solidFill>
-                  <a:srgbClr val="0033CC"/>
-                </a:solidFill>
-              </a:rPr>
-              <a:t>H</a:t>
-            </a:r>
-            <a:r>
-              <a:rPr lang="en-US" sz="1600" baseline="-25000" dirty="0" err="1">
-                <a:solidFill>
-                  <a:srgbClr val="0033CC"/>
-                </a:solidFill>
-              </a:rPr>
-              <a:t>y,u</a:t>
-            </a:r>
-            <a:r>
-              <a:rPr lang="en-US" sz="1600" baseline="-25000" dirty="0">
-                <a:solidFill>
-                  <a:srgbClr val="0033CC"/>
-                </a:solidFill>
-              </a:rPr>
-              <a:t> </a:t>
-            </a:r>
-            <a:r>
-              <a:rPr lang="en-US" sz="1600" dirty="0">
-                <a:solidFill>
-                  <a:srgbClr val="0033CC"/>
-                </a:solidFill>
-              </a:rPr>
-              <a:t>= </a:t>
-            </a:r>
-            <a:r>
-              <a:rPr lang="en-US" sz="1600" b="1" dirty="0" err="1">
-                <a:solidFill>
-                  <a:srgbClr val="FF0000"/>
-                </a:solidFill>
-              </a:rPr>
-              <a:t>U</a:t>
-            </a:r>
-            <a:r>
-              <a:rPr lang="en-US" sz="1600" b="1" baseline="-25000" dirty="0" err="1">
-                <a:solidFill>
-                  <a:srgbClr val="FF0000"/>
-                </a:solidFill>
-              </a:rPr>
-              <a:t>y,u</a:t>
-            </a:r>
-            <a:r>
-              <a:rPr lang="en-US" sz="1600" dirty="0" err="1">
-                <a:solidFill>
-                  <a:srgbClr val="0033CC"/>
-                </a:solidFill>
-              </a:rPr>
-              <a:t>N</a:t>
-            </a:r>
-            <a:r>
-              <a:rPr lang="en-US" sz="1600" baseline="-25000" dirty="0" err="1">
-                <a:solidFill>
-                  <a:srgbClr val="0033CC"/>
-                </a:solidFill>
-              </a:rPr>
-              <a:t>y,l</a:t>
-            </a:r>
-            <a:endParaRPr lang="en-US" sz="1600" dirty="0">
+            </a:fontRef>
+          </p:style>
+        </p:cxnSp>
+        <p:cxnSp>
+          <p:nvCxnSpPr>
+            <p:cNvPr id="75" name="Straight Arrow Connector 74"/>
+            <p:cNvCxnSpPr/>
+            <p:nvPr/>
+          </p:nvCxnSpPr>
+          <p:spPr>
+            <a:xfrm flipV="1">
+              <a:off x="1974769" y="2204174"/>
+              <a:ext cx="0" cy="623585"/>
+            </a:xfrm>
+            <a:prstGeom prst="straightConnector1">
+              <a:avLst/>
+            </a:prstGeom>
+            <a:ln w="25400">
               <a:solidFill>
                 <a:srgbClr val="0033CC"/>
               </a:solidFill>
-            </a:endParaRPr>
-          </a:p>
-        </p:txBody>
-      </p:sp>
-      <p:cxnSp>
-        <p:nvCxnSpPr>
-          <p:cNvPr id="44" name="Straight Arrow Connector 43"/>
-          <p:cNvCxnSpPr>
-            <a:cxnSpLocks/>
-          </p:cNvCxnSpPr>
-          <p:nvPr/>
-        </p:nvCxnSpPr>
-        <p:spPr>
-          <a:xfrm flipH="1" flipV="1">
-            <a:off x="5126230" y="1469800"/>
-            <a:ext cx="10578" cy="745791"/>
-          </a:xfrm>
-          <a:prstGeom prst="straightConnector1">
-            <a:avLst/>
-          </a:prstGeom>
-          <a:ln w="25400">
+              <a:tailEnd type="triangle"/>
+            </a:ln>
+          </p:spPr>
+          <p:style>
+            <a:lnRef idx="1">
+              <a:schemeClr val="accent1"/>
+            </a:lnRef>
+            <a:fillRef idx="0">
+              <a:schemeClr val="accent1"/>
+            </a:fillRef>
+            <a:effectRef idx="0">
+              <a:schemeClr val="accent1"/>
+            </a:effectRef>
+            <a:fontRef idx="minor">
+              <a:schemeClr val="tx1"/>
+            </a:fontRef>
+          </p:style>
+        </p:cxnSp>
+        <p:sp>
+          <p:nvSpPr>
+            <p:cNvPr id="84" name="Rectangle 83"/>
+            <p:cNvSpPr/>
+            <p:nvPr/>
+          </p:nvSpPr>
+          <p:spPr>
+            <a:xfrm>
+              <a:off x="7398045" y="1309247"/>
+              <a:ext cx="1090005" cy="338554"/>
+            </a:xfrm>
+            <a:prstGeom prst="rect">
+              <a:avLst/>
+            </a:prstGeom>
             <a:solidFill>
-              <a:schemeClr val="tx1"/>
+              <a:schemeClr val="bg1"/>
             </a:solidFill>
-            <a:tailEnd type="triangle"/>
-          </a:ln>
-        </p:spPr>
-        <p:style>
-          <a:lnRef idx="1">
-            <a:schemeClr val="accent1"/>
-          </a:lnRef>
-          <a:fillRef idx="0">
-            <a:schemeClr val="accent1"/>
-          </a:fillRef>
-          <a:effectRef idx="0">
-            <a:schemeClr val="accent1"/>
-          </a:effectRef>
-          <a:fontRef idx="minor">
-            <a:schemeClr val="tx1"/>
-          </a:fontRef>
-        </p:style>
-      </p:cxnSp>
-      <p:cxnSp>
-        <p:nvCxnSpPr>
-          <p:cNvPr id="75" name="Straight Arrow Connector 74"/>
-          <p:cNvCxnSpPr/>
-          <p:nvPr/>
-        </p:nvCxnSpPr>
-        <p:spPr>
-          <a:xfrm flipV="1">
-            <a:off x="1974769" y="2204174"/>
-            <a:ext cx="0" cy="623585"/>
-          </a:xfrm>
-          <a:prstGeom prst="straightConnector1">
-            <a:avLst/>
-          </a:prstGeom>
-          <a:ln w="25400">
+          </p:spPr>
+          <p:txBody>
+            <a:bodyPr wrap="square" lIns="0" rIns="0">
+              <a:spAutoFit/>
+            </a:bodyPr>
+            <a:lstStyle/>
+            <a:p>
+              <a:r>
+                <a:rPr lang="en-US" sz="1600" dirty="0" err="1"/>
+                <a:t>E</a:t>
+              </a:r>
+              <a:r>
+                <a:rPr lang="en-US" sz="1600" baseline="-25000" dirty="0" err="1"/>
+                <a:t>y</a:t>
+              </a:r>
+              <a:r>
+                <a:rPr lang="en-US" sz="1600" dirty="0"/>
+                <a:t>=</a:t>
+              </a:r>
+              <a:r>
+                <a:rPr lang="en-US" sz="1600" dirty="0" err="1"/>
+                <a:t>N</a:t>
+              </a:r>
+              <a:r>
+                <a:rPr lang="en-US" sz="1600" baseline="-25000" dirty="0" err="1"/>
+                <a:t>y,l</a:t>
+              </a:r>
+              <a:r>
+                <a:rPr lang="en-US" sz="1600" baseline="-25000" dirty="0"/>
+                <a:t> </a:t>
+              </a:r>
+              <a:r>
+                <a:rPr lang="en-US" sz="1600" dirty="0"/>
+                <a:t>- </a:t>
+              </a:r>
+              <a:r>
+                <a:rPr lang="en-US" sz="1600" dirty="0" err="1"/>
+                <a:t>C</a:t>
+              </a:r>
+              <a:r>
+                <a:rPr lang="en-US" sz="1600" baseline="-25000" dirty="0" err="1"/>
+                <a:t>y,u</a:t>
+              </a:r>
+              <a:endParaRPr lang="en-US" sz="1600" baseline="-25000" dirty="0"/>
+            </a:p>
+          </p:txBody>
+        </p:sp>
+        <p:sp>
+          <p:nvSpPr>
+            <p:cNvPr id="85" name="Rectangle 84"/>
+            <p:cNvSpPr/>
+            <p:nvPr/>
+          </p:nvSpPr>
+          <p:spPr>
+            <a:xfrm>
+              <a:off x="3278402" y="1475274"/>
+              <a:ext cx="998415" cy="338554"/>
+            </a:xfrm>
+            <a:prstGeom prst="rect">
+              <a:avLst/>
+            </a:prstGeom>
             <a:solidFill>
-              <a:srgbClr val="0033CC"/>
+              <a:schemeClr val="bg1"/>
             </a:solidFill>
-            <a:tailEnd type="triangle"/>
-          </a:ln>
-        </p:spPr>
-        <p:style>
-          <a:lnRef idx="1">
-            <a:schemeClr val="accent1"/>
-          </a:lnRef>
-          <a:fillRef idx="0">
-            <a:schemeClr val="accent1"/>
-          </a:fillRef>
-          <a:effectRef idx="0">
-            <a:schemeClr val="accent1"/>
-          </a:effectRef>
-          <a:fontRef idx="minor">
-            <a:schemeClr val="tx1"/>
-          </a:fontRef>
-        </p:style>
-      </p:cxnSp>
-      <p:sp>
-        <p:nvSpPr>
-          <p:cNvPr id="84" name="Rectangle 83"/>
-          <p:cNvSpPr/>
-          <p:nvPr/>
-        </p:nvSpPr>
-        <p:spPr>
-          <a:xfrm>
-            <a:off x="7398045" y="1309247"/>
-            <a:ext cx="1090005" cy="338554"/>
-          </a:xfrm>
-          <a:prstGeom prst="rect">
-            <a:avLst/>
-          </a:prstGeom>
-          <a:solidFill>
-            <a:schemeClr val="bg1"/>
-          </a:solidFill>
-        </p:spPr>
-        <p:txBody>
-          <a:bodyPr wrap="square" lIns="0" rIns="0">
-            <a:spAutoFit/>
-          </a:bodyPr>
-          <a:lstStyle/>
-          <a:p>
-            <a:r>
-              <a:rPr lang="en-US" sz="1600" dirty="0" err="1"/>
-              <a:t>E</a:t>
-            </a:r>
-            <a:r>
-              <a:rPr lang="en-US" sz="1600" baseline="-25000" dirty="0" err="1"/>
-              <a:t>y</a:t>
-            </a:r>
-            <a:r>
-              <a:rPr lang="en-US" sz="1600" dirty="0"/>
-              <a:t>=</a:t>
-            </a:r>
-            <a:r>
-              <a:rPr lang="en-US" sz="1600" dirty="0" err="1"/>
-              <a:t>N</a:t>
-            </a:r>
-            <a:r>
-              <a:rPr lang="en-US" sz="1600" baseline="-25000" dirty="0" err="1"/>
-              <a:t>y,l</a:t>
-            </a:r>
-            <a:r>
-              <a:rPr lang="en-US" sz="1600" baseline="-25000" dirty="0"/>
-              <a:t> </a:t>
-            </a:r>
-            <a:r>
-              <a:rPr lang="en-US" sz="1600" dirty="0"/>
-              <a:t>- </a:t>
-            </a:r>
-            <a:r>
-              <a:rPr lang="en-US" sz="1600" dirty="0" err="1"/>
-              <a:t>C</a:t>
-            </a:r>
-            <a:r>
-              <a:rPr lang="en-US" sz="1600" baseline="-25000" dirty="0" err="1"/>
-              <a:t>y,u</a:t>
-            </a:r>
-            <a:endParaRPr lang="en-US" sz="1600" baseline="-25000" dirty="0"/>
-          </a:p>
-        </p:txBody>
-      </p:sp>
-      <p:sp>
-        <p:nvSpPr>
-          <p:cNvPr id="85" name="Rectangle 84"/>
-          <p:cNvSpPr/>
-          <p:nvPr/>
-        </p:nvSpPr>
-        <p:spPr>
-          <a:xfrm>
-            <a:off x="3278402" y="1475274"/>
-            <a:ext cx="998415" cy="338554"/>
-          </a:xfrm>
-          <a:prstGeom prst="rect">
-            <a:avLst/>
-          </a:prstGeom>
-          <a:solidFill>
-            <a:schemeClr val="bg1"/>
-          </a:solidFill>
-        </p:spPr>
-        <p:txBody>
-          <a:bodyPr wrap="none" lIns="0" rIns="0">
-            <a:spAutoFit/>
-          </a:bodyPr>
-          <a:lstStyle/>
-          <a:p>
-            <a:r>
-              <a:rPr lang="en-US" sz="1600" dirty="0" err="1"/>
-              <a:t>N</a:t>
-            </a:r>
-            <a:r>
-              <a:rPr lang="en-US" sz="1600" baseline="-25000" dirty="0" err="1"/>
-              <a:t>y,l</a:t>
-            </a:r>
-            <a:r>
-              <a:rPr lang="en-US" sz="1600" dirty="0"/>
-              <a:t> = N</a:t>
-            </a:r>
-            <a:r>
-              <a:rPr lang="en-US" sz="1600" baseline="-25000" dirty="0"/>
-              <a:t>y</a:t>
-            </a:r>
-            <a:r>
-              <a:rPr lang="en-US" sz="1600" dirty="0"/>
-              <a:t> -</a:t>
-            </a:r>
-            <a:r>
-              <a:rPr lang="en-US" sz="1600" dirty="0" err="1"/>
-              <a:t>H</a:t>
-            </a:r>
-            <a:r>
-              <a:rPr lang="en-US" sz="1600" baseline="-25000" dirty="0" err="1"/>
-              <a:t>y,l</a:t>
-            </a:r>
-            <a:endParaRPr lang="en-US" sz="1600" baseline="-25000" dirty="0"/>
-          </a:p>
-        </p:txBody>
-      </p:sp>
-      <p:sp>
-        <p:nvSpPr>
-          <p:cNvPr id="74" name="TextBox 73"/>
-          <p:cNvSpPr txBox="1"/>
-          <p:nvPr/>
-        </p:nvSpPr>
-        <p:spPr>
-          <a:xfrm>
-            <a:off x="1584896" y="2844106"/>
-            <a:ext cx="1011278" cy="830997"/>
-          </a:xfrm>
-          <a:prstGeom prst="rect">
-            <a:avLst/>
-          </a:prstGeom>
-          <a:solidFill>
-            <a:schemeClr val="bg1"/>
-          </a:solidFill>
-          <a:ln>
+          </p:spPr>
+          <p:txBody>
+            <a:bodyPr wrap="none" lIns="0" rIns="0">
+              <a:spAutoFit/>
+            </a:bodyPr>
+            <a:lstStyle/>
+            <a:p>
+              <a:r>
+                <a:rPr lang="en-US" sz="1600" dirty="0" err="1"/>
+                <a:t>N</a:t>
+              </a:r>
+              <a:r>
+                <a:rPr lang="en-US" sz="1600" baseline="-25000" dirty="0" err="1"/>
+                <a:t>y,l</a:t>
+              </a:r>
+              <a:r>
+                <a:rPr lang="en-US" sz="1600" dirty="0"/>
+                <a:t> = N</a:t>
+              </a:r>
+              <a:r>
+                <a:rPr lang="en-US" sz="1600" baseline="-25000" dirty="0"/>
+                <a:t>y</a:t>
+              </a:r>
+              <a:r>
+                <a:rPr lang="en-US" sz="1600" dirty="0"/>
+                <a:t> -</a:t>
+              </a:r>
+              <a:r>
+                <a:rPr lang="en-US" sz="1600" dirty="0" err="1"/>
+                <a:t>H</a:t>
+              </a:r>
+              <a:r>
+                <a:rPr lang="en-US" sz="1600" baseline="-25000" dirty="0" err="1"/>
+                <a:t>y,l</a:t>
+              </a:r>
+              <a:endParaRPr lang="en-US" sz="1600" baseline="-25000" dirty="0"/>
+            </a:p>
+          </p:txBody>
+        </p:sp>
+        <p:sp>
+          <p:nvSpPr>
+            <p:cNvPr id="74" name="TextBox 73"/>
+            <p:cNvSpPr txBox="1"/>
+            <p:nvPr/>
+          </p:nvSpPr>
+          <p:spPr>
+            <a:xfrm>
+              <a:off x="1584896" y="2844106"/>
+              <a:ext cx="1011278" cy="830997"/>
+            </a:xfrm>
+            <a:prstGeom prst="rect">
+              <a:avLst/>
+            </a:prstGeom>
             <a:solidFill>
-              <a:srgbClr val="0033CC"/>
+              <a:schemeClr val="bg1"/>
             </a:solidFill>
-          </a:ln>
-        </p:spPr>
-        <p:style>
-          <a:lnRef idx="2">
-            <a:schemeClr val="accent1"/>
-          </a:lnRef>
-          <a:fillRef idx="1">
-            <a:schemeClr val="lt1"/>
-          </a:fillRef>
-          <a:effectRef idx="0">
-            <a:schemeClr val="accent1"/>
-          </a:effectRef>
-          <a:fontRef idx="minor">
-            <a:schemeClr val="dk1"/>
-          </a:fontRef>
-        </p:style>
-        <p:txBody>
-          <a:bodyPr wrap="square" rtlCol="0">
-            <a:spAutoFit/>
-          </a:bodyPr>
-          <a:lstStyle/>
-          <a:p>
-            <a:r>
-              <a:rPr lang="en-US" sz="1600" dirty="0">
-                <a:solidFill>
-                  <a:srgbClr val="0033CC"/>
-                </a:solidFill>
-              </a:rPr>
-              <a:t>Lower</a:t>
-            </a:r>
-          </a:p>
-          <a:p>
-            <a:r>
-              <a:rPr lang="en-US" sz="1600" dirty="0">
-                <a:solidFill>
-                  <a:srgbClr val="0033CC"/>
-                </a:solidFill>
-              </a:rPr>
-              <a:t> MR</a:t>
-            </a:r>
-          </a:p>
-          <a:p>
-            <a:r>
-              <a:rPr lang="en-US" sz="1600" dirty="0" err="1"/>
-              <a:t>LMR</a:t>
-            </a:r>
-            <a:r>
-              <a:rPr lang="en-US" sz="1600" baseline="-25000" dirty="0" err="1"/>
-              <a:t>y</a:t>
-            </a:r>
-            <a:r>
-              <a:rPr lang="en-US" sz="1600" dirty="0"/>
-              <a:t> = N</a:t>
-            </a:r>
-            <a:r>
-              <a:rPr lang="en-US" sz="1600" baseline="-25000" dirty="0"/>
-              <a:t>y</a:t>
-            </a:r>
-            <a:endParaRPr lang="en-US" sz="1600" baseline="-25000" dirty="0">
+            <a:ln>
               <a:solidFill>
                 <a:srgbClr val="0033CC"/>
               </a:solidFill>
-            </a:endParaRPr>
-          </a:p>
-        </p:txBody>
-      </p:sp>
-      <p:sp>
-        <p:nvSpPr>
-          <p:cNvPr id="9" name="TextBox 8"/>
-          <p:cNvSpPr txBox="1"/>
-          <p:nvPr/>
-        </p:nvSpPr>
-        <p:spPr>
-          <a:xfrm>
-            <a:off x="412250" y="4975455"/>
-            <a:ext cx="4367848" cy="1508105"/>
-          </a:xfrm>
-          <a:prstGeom prst="rect">
-            <a:avLst/>
-          </a:prstGeom>
-          <a:noFill/>
-          <a:ln w="31750">
-            <a:solidFill>
-              <a:srgbClr val="FF0000"/>
-            </a:solidFill>
-          </a:ln>
-        </p:spPr>
-        <p:txBody>
-          <a:bodyPr wrap="square" rtlCol="0">
-            <a:spAutoFit/>
-          </a:bodyPr>
-          <a:lstStyle/>
-          <a:p>
-            <a:r>
-              <a:rPr lang="en-US" sz="1600" b="1" dirty="0">
-                <a:solidFill>
-                  <a:srgbClr val="FF0000"/>
-                </a:solidFill>
-              </a:rPr>
-              <a:t>Post hoc process</a:t>
-            </a:r>
-          </a:p>
-          <a:p>
-            <a:endParaRPr lang="en-US" sz="1600" b="1" dirty="0">
+            </a:ln>
+          </p:spPr>
+          <p:style>
+            <a:lnRef idx="2">
+              <a:schemeClr val="accent1"/>
+            </a:lnRef>
+            <a:fillRef idx="1">
+              <a:schemeClr val="lt1"/>
+            </a:fillRef>
+            <a:effectRef idx="0">
+              <a:schemeClr val="accent1"/>
+            </a:effectRef>
+            <a:fontRef idx="minor">
+              <a:schemeClr val="dk1"/>
+            </a:fontRef>
+          </p:style>
+          <p:txBody>
+            <a:bodyPr wrap="square" rtlCol="0">
+              <a:spAutoFit/>
+            </a:bodyPr>
+            <a:lstStyle/>
+            <a:p>
+              <a:r>
+                <a:rPr lang="en-US" sz="1600" dirty="0">
+                  <a:solidFill>
+                    <a:srgbClr val="0033CC"/>
+                  </a:solidFill>
+                </a:rPr>
+                <a:t>Lower</a:t>
+              </a:r>
+            </a:p>
+            <a:p>
+              <a:r>
+                <a:rPr lang="en-US" sz="1600" dirty="0">
+                  <a:solidFill>
+                    <a:srgbClr val="0033CC"/>
+                  </a:solidFill>
+                </a:rPr>
+                <a:t> MR</a:t>
+              </a:r>
+            </a:p>
+            <a:p>
+              <a:r>
+                <a:rPr lang="en-US" sz="1600" dirty="0" err="1"/>
+                <a:t>LMR</a:t>
+              </a:r>
+              <a:r>
+                <a:rPr lang="en-US" sz="1600" baseline="-25000" dirty="0" err="1"/>
+                <a:t>y</a:t>
+              </a:r>
+              <a:r>
+                <a:rPr lang="en-US" sz="1600" dirty="0"/>
+                <a:t> = N</a:t>
+              </a:r>
+              <a:r>
+                <a:rPr lang="en-US" sz="1600" baseline="-25000" dirty="0"/>
+                <a:t>y</a:t>
+              </a:r>
+              <a:endParaRPr lang="en-US" sz="1600" baseline="-25000" dirty="0">
+                <a:solidFill>
+                  <a:srgbClr val="0033CC"/>
+                </a:solidFill>
+              </a:endParaRPr>
+            </a:p>
+          </p:txBody>
+        </p:sp>
+        <p:sp>
+          <p:nvSpPr>
+            <p:cNvPr id="9" name="TextBox 8"/>
+            <p:cNvSpPr txBox="1"/>
+            <p:nvPr/>
+          </p:nvSpPr>
+          <p:spPr>
+            <a:xfrm>
+              <a:off x="412250" y="4975455"/>
+              <a:ext cx="4367848" cy="1508105"/>
+            </a:xfrm>
+            <a:prstGeom prst="rect">
+              <a:avLst/>
+            </a:prstGeom>
+            <a:noFill/>
+            <a:ln w="31750">
               <a:solidFill>
                 <a:srgbClr val="FF0000"/>
               </a:solidFill>
-            </a:endParaRPr>
-          </a:p>
-          <a:p>
-            <a:r>
-              <a:rPr lang="en-US" sz="2000" dirty="0"/>
-              <a:t>Eek Esc (E</a:t>
-            </a:r>
-            <a:r>
-              <a:rPr lang="en-US" sz="2000" baseline="-25000" dirty="0"/>
-              <a:t>ek</a:t>
-            </a:r>
-            <a:r>
-              <a:rPr lang="en-US" sz="2000" dirty="0"/>
-              <a:t>) = 0.534*Pred(Kwethluk)</a:t>
-            </a:r>
-          </a:p>
-          <a:p>
-            <a:r>
-              <a:rPr lang="en-US" sz="2000" dirty="0"/>
-              <a:t>Kuskokwim Esc = E</a:t>
-            </a:r>
-            <a:r>
-              <a:rPr lang="en-US" sz="2000" baseline="-25000" dirty="0"/>
-              <a:t>y</a:t>
-            </a:r>
-            <a:r>
-              <a:rPr lang="en-US" sz="2000" dirty="0"/>
-              <a:t> + E</a:t>
-            </a:r>
-            <a:r>
-              <a:rPr lang="en-US" sz="2000" baseline="-25000" dirty="0"/>
-              <a:t>ek</a:t>
-            </a:r>
-            <a:r>
-              <a:rPr lang="en-US" sz="2000" dirty="0"/>
-              <a:t> </a:t>
-            </a:r>
-            <a:endParaRPr lang="en-US" sz="2000" b="1" dirty="0"/>
-          </a:p>
-          <a:p>
-            <a:r>
-              <a:rPr lang="en-US" sz="2000" dirty="0"/>
-              <a:t>Kuskokwim Run = N</a:t>
-            </a:r>
-            <a:r>
-              <a:rPr lang="en-US" sz="2000" baseline="-25000" dirty="0"/>
-              <a:t>y</a:t>
-            </a:r>
-            <a:r>
-              <a:rPr lang="en-US" sz="2000" dirty="0"/>
-              <a:t> + E</a:t>
-            </a:r>
-            <a:r>
-              <a:rPr lang="en-US" sz="2000" baseline="-25000" dirty="0"/>
-              <a:t>ek</a:t>
-            </a:r>
-            <a:r>
-              <a:rPr lang="en-US" sz="2000" dirty="0"/>
-              <a:t> </a:t>
-            </a:r>
-          </a:p>
-        </p:txBody>
-      </p:sp>
-      <p:sp>
-        <p:nvSpPr>
-          <p:cNvPr id="32" name="TextBox 31"/>
-          <p:cNvSpPr txBox="1"/>
-          <p:nvPr/>
-        </p:nvSpPr>
-        <p:spPr>
-          <a:xfrm rot="16200000">
-            <a:off x="2468515" y="2054298"/>
-            <a:ext cx="785000" cy="369332"/>
-          </a:xfrm>
-          <a:prstGeom prst="rect">
-            <a:avLst/>
-          </a:prstGeom>
-          <a:solidFill>
-            <a:schemeClr val="bg1"/>
-          </a:solidFill>
-          <a:ln>
+            </a:ln>
+          </p:spPr>
+          <p:txBody>
+            <a:bodyPr wrap="square" rtlCol="0">
+              <a:spAutoFit/>
+            </a:bodyPr>
+            <a:lstStyle/>
+            <a:p>
+              <a:r>
+                <a:rPr lang="en-US" sz="1600" b="1" dirty="0">
+                  <a:solidFill>
+                    <a:srgbClr val="FF0000"/>
+                  </a:solidFill>
+                </a:rPr>
+                <a:t>Post hoc process</a:t>
+              </a:r>
+            </a:p>
+            <a:p>
+              <a:endParaRPr lang="en-US" sz="1600" b="1" dirty="0">
+                <a:solidFill>
+                  <a:srgbClr val="FF0000"/>
+                </a:solidFill>
+              </a:endParaRPr>
+            </a:p>
+            <a:p>
+              <a:r>
+                <a:rPr lang="en-US" sz="2000" dirty="0"/>
+                <a:t>Eek Esc (E</a:t>
+              </a:r>
+              <a:r>
+                <a:rPr lang="en-US" sz="2000" baseline="-25000" dirty="0"/>
+                <a:t>ek</a:t>
+              </a:r>
+              <a:r>
+                <a:rPr lang="en-US" sz="2000" dirty="0"/>
+                <a:t>) = 0.534*Pred(Kwethluk)</a:t>
+              </a:r>
+            </a:p>
+            <a:p>
+              <a:r>
+                <a:rPr lang="en-US" sz="2000" dirty="0"/>
+                <a:t>Kuskokwim Esc = E</a:t>
+              </a:r>
+              <a:r>
+                <a:rPr lang="en-US" sz="2000" baseline="-25000" dirty="0"/>
+                <a:t>y</a:t>
+              </a:r>
+              <a:r>
+                <a:rPr lang="en-US" sz="2000" dirty="0"/>
+                <a:t> + E</a:t>
+              </a:r>
+              <a:r>
+                <a:rPr lang="en-US" sz="2000" baseline="-25000" dirty="0"/>
+                <a:t>ek</a:t>
+              </a:r>
+              <a:r>
+                <a:rPr lang="en-US" sz="2000" dirty="0"/>
+                <a:t> </a:t>
+              </a:r>
+              <a:endParaRPr lang="en-US" sz="2000" b="1" dirty="0"/>
+            </a:p>
+            <a:p>
+              <a:r>
+                <a:rPr lang="en-US" sz="2000" dirty="0"/>
+                <a:t>Kuskokwim Run = N</a:t>
+              </a:r>
+              <a:r>
+                <a:rPr lang="en-US" sz="2000" baseline="-25000" dirty="0"/>
+                <a:t>y</a:t>
+              </a:r>
+              <a:r>
+                <a:rPr lang="en-US" sz="2000" dirty="0"/>
+                <a:t> + E</a:t>
+              </a:r>
+              <a:r>
+                <a:rPr lang="en-US" sz="2000" baseline="-25000" dirty="0"/>
+                <a:t>ek</a:t>
+              </a:r>
+              <a:r>
+                <a:rPr lang="en-US" sz="2000" dirty="0"/>
+                <a:t> </a:t>
+              </a:r>
+            </a:p>
+          </p:txBody>
+        </p:sp>
+        <p:sp>
+          <p:nvSpPr>
+            <p:cNvPr id="32" name="TextBox 31"/>
+            <p:cNvSpPr txBox="1"/>
+            <p:nvPr/>
+          </p:nvSpPr>
+          <p:spPr>
+            <a:xfrm rot="16200000">
+              <a:off x="2468515" y="2054298"/>
+              <a:ext cx="785000" cy="369332"/>
+            </a:xfrm>
+            <a:prstGeom prst="rect">
+              <a:avLst/>
+            </a:prstGeom>
             <a:solidFill>
-              <a:srgbClr val="0033CC"/>
+              <a:schemeClr val="bg1"/>
             </a:solidFill>
-          </a:ln>
-        </p:spPr>
-        <p:txBody>
-          <a:bodyPr wrap="square" rtlCol="0">
-            <a:spAutoFit/>
-          </a:bodyPr>
-          <a:lstStyle/>
-          <a:p>
-            <a:r>
-              <a:rPr lang="en-US" dirty="0"/>
-              <a:t>Bethel</a:t>
-            </a:r>
-          </a:p>
-        </p:txBody>
-      </p:sp>
-      <p:sp>
-        <p:nvSpPr>
-          <p:cNvPr id="96" name="TextBox 95"/>
-          <p:cNvSpPr txBox="1"/>
-          <p:nvPr/>
-        </p:nvSpPr>
-        <p:spPr>
-          <a:xfrm>
-            <a:off x="5906910" y="901832"/>
-            <a:ext cx="1235904" cy="584775"/>
-          </a:xfrm>
-          <a:prstGeom prst="rect">
-            <a:avLst/>
-          </a:prstGeom>
-          <a:solidFill>
-            <a:schemeClr val="bg1"/>
-          </a:solidFill>
-          <a:ln>
-            <a:solidFill>
-              <a:srgbClr val="0033CC"/>
-            </a:solidFill>
-          </a:ln>
-        </p:spPr>
-        <p:style>
-          <a:lnRef idx="2">
-            <a:schemeClr val="accent1"/>
-          </a:lnRef>
-          <a:fillRef idx="1">
-            <a:schemeClr val="lt1"/>
-          </a:fillRef>
-          <a:effectRef idx="0">
-            <a:schemeClr val="accent1"/>
-          </a:effectRef>
-          <a:fontRef idx="minor">
-            <a:schemeClr val="dk1"/>
-          </a:fontRef>
-        </p:style>
-        <p:txBody>
-          <a:bodyPr wrap="square" rtlCol="0">
-            <a:spAutoFit/>
-          </a:bodyPr>
-          <a:lstStyle/>
-          <a:p>
-            <a:r>
-              <a:rPr lang="en-US" sz="1600" dirty="0" err="1">
-                <a:solidFill>
-                  <a:srgbClr val="0033CC"/>
-                </a:solidFill>
-              </a:rPr>
-              <a:t>Kalskag</a:t>
-            </a:r>
-            <a:r>
-              <a:rPr lang="en-US" sz="1600" dirty="0">
-                <a:solidFill>
-                  <a:srgbClr val="0033CC"/>
-                </a:solidFill>
-              </a:rPr>
-              <a:t> MR</a:t>
-            </a:r>
-          </a:p>
-          <a:p>
-            <a:r>
-              <a:rPr lang="en-US" sz="1600" dirty="0" err="1"/>
-              <a:t>MR</a:t>
-            </a:r>
-            <a:r>
-              <a:rPr lang="en-US" sz="1600" baseline="-25000" dirty="0" err="1"/>
-              <a:t>y</a:t>
-            </a:r>
-            <a:r>
-              <a:rPr lang="en-US" sz="1600" dirty="0"/>
-              <a:t> = </a:t>
-            </a:r>
-            <a:r>
-              <a:rPr lang="en-US" sz="1600" dirty="0" err="1"/>
-              <a:t>mqE</a:t>
-            </a:r>
-            <a:r>
-              <a:rPr lang="en-US" sz="1600" baseline="-25000" dirty="0" err="1"/>
-              <a:t>y</a:t>
-            </a:r>
-            <a:endParaRPr lang="en-US" sz="1600" dirty="0"/>
-          </a:p>
-        </p:txBody>
-      </p:sp>
-      <p:sp>
-        <p:nvSpPr>
-          <p:cNvPr id="108" name="TextBox 107"/>
-          <p:cNvSpPr txBox="1"/>
-          <p:nvPr/>
-        </p:nvSpPr>
-        <p:spPr>
-          <a:xfrm>
-            <a:off x="3281967" y="2862549"/>
-            <a:ext cx="1110899" cy="584775"/>
-          </a:xfrm>
-          <a:prstGeom prst="rect">
-            <a:avLst/>
-          </a:prstGeom>
-          <a:solidFill>
-            <a:schemeClr val="bg1"/>
-          </a:solidFill>
-          <a:ln>
-            <a:solidFill>
-              <a:srgbClr val="0033CC"/>
-            </a:solidFill>
-          </a:ln>
-        </p:spPr>
-        <p:style>
-          <a:lnRef idx="2">
-            <a:schemeClr val="accent1"/>
-          </a:lnRef>
-          <a:fillRef idx="1">
-            <a:schemeClr val="lt1"/>
-          </a:fillRef>
-          <a:effectRef idx="0">
-            <a:schemeClr val="accent1"/>
-          </a:effectRef>
-          <a:fontRef idx="minor">
-            <a:schemeClr val="dk1"/>
-          </a:fontRef>
-        </p:style>
-        <p:txBody>
-          <a:bodyPr wrap="square" rtlCol="0">
-            <a:spAutoFit/>
-          </a:bodyPr>
-          <a:lstStyle/>
-          <a:p>
-            <a:r>
-              <a:rPr lang="en-US" sz="1600" dirty="0">
-                <a:solidFill>
-                  <a:srgbClr val="0033CC"/>
-                </a:solidFill>
-              </a:rPr>
-              <a:t>Sonar</a:t>
-            </a:r>
-          </a:p>
-          <a:p>
-            <a:r>
-              <a:rPr lang="en-US" sz="1600" dirty="0"/>
-              <a:t>S</a:t>
-            </a:r>
-            <a:r>
-              <a:rPr lang="en-US" sz="1600" baseline="-25000" dirty="0"/>
-              <a:t>y</a:t>
-            </a:r>
-            <a:r>
-              <a:rPr lang="en-US" sz="1600" dirty="0"/>
-              <a:t> = </a:t>
-            </a:r>
-            <a:r>
-              <a:rPr lang="en-US" sz="1600" dirty="0" err="1"/>
-              <a:t>psN</a:t>
-            </a:r>
-            <a:r>
-              <a:rPr lang="en-US" sz="1600" baseline="-25000" dirty="0" err="1"/>
-              <a:t>y,l</a:t>
-            </a:r>
-            <a:endParaRPr lang="en-US" sz="1600" dirty="0"/>
-          </a:p>
-        </p:txBody>
-      </p:sp>
-      <p:cxnSp>
-        <p:nvCxnSpPr>
-          <p:cNvPr id="109" name="Straight Arrow Connector 108"/>
-          <p:cNvCxnSpPr>
-            <a:cxnSpLocks/>
-            <a:endCxn id="14" idx="2"/>
-          </p:cNvCxnSpPr>
-          <p:nvPr/>
-        </p:nvCxnSpPr>
-        <p:spPr>
-          <a:xfrm flipV="1">
-            <a:off x="3781562" y="2505840"/>
-            <a:ext cx="553" cy="339458"/>
-          </a:xfrm>
-          <a:prstGeom prst="straightConnector1">
-            <a:avLst/>
-          </a:prstGeom>
-          <a:ln w="25400">
-            <a:solidFill>
-              <a:srgbClr val="0033CC"/>
-            </a:solidFill>
-            <a:tailEnd type="triangle"/>
-          </a:ln>
-        </p:spPr>
-        <p:style>
-          <a:lnRef idx="1">
-            <a:schemeClr val="accent1"/>
-          </a:lnRef>
-          <a:fillRef idx="0">
-            <a:schemeClr val="accent1"/>
-          </a:fillRef>
-          <a:effectRef idx="0">
-            <a:schemeClr val="accent1"/>
-          </a:effectRef>
-          <a:fontRef idx="minor">
-            <a:schemeClr val="tx1"/>
-          </a:fontRef>
-        </p:style>
-      </p:cxnSp>
-      <p:cxnSp>
-        <p:nvCxnSpPr>
-          <p:cNvPr id="112" name="Straight Arrow Connector 111"/>
-          <p:cNvCxnSpPr/>
-          <p:nvPr/>
-        </p:nvCxnSpPr>
-        <p:spPr>
-          <a:xfrm>
-            <a:off x="1775137" y="1445183"/>
-            <a:ext cx="399265" cy="745791"/>
-          </a:xfrm>
-          <a:prstGeom prst="straightConnector1">
-            <a:avLst/>
-          </a:prstGeom>
-          <a:ln w="25400">
-            <a:solidFill>
-              <a:schemeClr val="tx1"/>
-            </a:solidFill>
-            <a:tailEnd type="triangle"/>
-          </a:ln>
-        </p:spPr>
-        <p:style>
-          <a:lnRef idx="1">
-            <a:schemeClr val="accent1"/>
-          </a:lnRef>
-          <a:fillRef idx="0">
-            <a:schemeClr val="accent1"/>
-          </a:fillRef>
-          <a:effectRef idx="0">
-            <a:schemeClr val="accent1"/>
-          </a:effectRef>
-          <a:fontRef idx="minor">
-            <a:schemeClr val="tx1"/>
-          </a:fontRef>
-        </p:style>
-      </p:cxnSp>
-      <p:sp>
-        <p:nvSpPr>
-          <p:cNvPr id="3" name="TextBox 2">
-            <a:extLst>
-              <a:ext uri="{FF2B5EF4-FFF2-40B4-BE49-F238E27FC236}">
-                <a16:creationId xmlns:a16="http://schemas.microsoft.com/office/drawing/2014/main" id="{0C0FFD25-92AD-255E-5305-ABC8E5311E3C}"/>
-              </a:ext>
-            </a:extLst>
-          </p:cNvPr>
-          <p:cNvSpPr txBox="1"/>
-          <p:nvPr/>
-        </p:nvSpPr>
-        <p:spPr>
-          <a:xfrm>
-            <a:off x="461931" y="803537"/>
-            <a:ext cx="1468672" cy="646331"/>
-          </a:xfrm>
-          <a:prstGeom prst="rect">
-            <a:avLst/>
-          </a:prstGeom>
-          <a:ln/>
-        </p:spPr>
-        <p:style>
-          <a:lnRef idx="2">
-            <a:schemeClr val="accent1"/>
-          </a:lnRef>
-          <a:fillRef idx="1">
-            <a:schemeClr val="lt1"/>
-          </a:fillRef>
-          <a:effectRef idx="0">
-            <a:schemeClr val="accent1"/>
-          </a:effectRef>
-          <a:fontRef idx="minor">
-            <a:schemeClr val="dk1"/>
-          </a:fontRef>
-        </p:style>
-        <p:txBody>
-          <a:bodyPr wrap="none" rtlCol="0">
-            <a:spAutoFit/>
-          </a:bodyPr>
-          <a:lstStyle/>
-          <a:p>
-            <a:r>
-              <a:rPr lang="en-US" dirty="0">
-                <a:solidFill>
-                  <a:srgbClr val="0033CC"/>
-                </a:solidFill>
-              </a:rPr>
-              <a:t>Com CPUE</a:t>
-            </a:r>
-          </a:p>
-          <a:p>
-            <a:r>
-              <a:rPr lang="en-US" dirty="0">
-                <a:solidFill>
-                  <a:srgbClr val="0033CC"/>
-                </a:solidFill>
-              </a:rPr>
-              <a:t>N</a:t>
-            </a:r>
-            <a:r>
-              <a:rPr lang="en-US" baseline="-25000" dirty="0">
-                <a:solidFill>
-                  <a:srgbClr val="0033CC"/>
-                </a:solidFill>
-              </a:rPr>
-              <a:t>y</a:t>
-            </a:r>
-            <a:r>
-              <a:rPr lang="en-US" dirty="0">
-                <a:solidFill>
-                  <a:srgbClr val="0033CC"/>
-                </a:solidFill>
-              </a:rPr>
-              <a:t> = </a:t>
-            </a:r>
-            <a:r>
-              <a:rPr lang="en-US" b="1" dirty="0">
-                <a:solidFill>
-                  <a:srgbClr val="FF0000"/>
-                </a:solidFill>
-              </a:rPr>
-              <a:t>q</a:t>
-            </a:r>
-            <a:r>
-              <a:rPr lang="en-US" b="1" baseline="-25000" dirty="0">
-                <a:solidFill>
-                  <a:srgbClr val="FF0000"/>
-                </a:solidFill>
-              </a:rPr>
-              <a:t>i</a:t>
-            </a:r>
-            <a:r>
-              <a:rPr lang="en-US" b="1" baseline="-25000" dirty="0">
-                <a:solidFill>
-                  <a:srgbClr val="0033CC"/>
-                </a:solidFill>
-              </a:rPr>
-              <a:t>*</a:t>
-            </a:r>
-            <a:r>
-              <a:rPr lang="en-US" dirty="0" err="1">
-                <a:solidFill>
-                  <a:srgbClr val="0033CC"/>
-                </a:solidFill>
-              </a:rPr>
-              <a:t>CPUE</a:t>
-            </a:r>
-            <a:r>
-              <a:rPr lang="en-US" baseline="-25000" dirty="0" err="1">
-                <a:solidFill>
-                  <a:srgbClr val="0033CC"/>
-                </a:solidFill>
-              </a:rPr>
-              <a:t>k</a:t>
-            </a:r>
-            <a:endParaRPr lang="en-US" baseline="-25000" dirty="0">
+            <a:ln>
               <a:solidFill>
                 <a:srgbClr val="0033CC"/>
               </a:solidFill>
-            </a:endParaRPr>
-          </a:p>
-        </p:txBody>
-      </p:sp>
-      <p:sp>
-        <p:nvSpPr>
-          <p:cNvPr id="7" name="TextBox 6">
-            <a:extLst>
-              <a:ext uri="{FF2B5EF4-FFF2-40B4-BE49-F238E27FC236}">
-                <a16:creationId xmlns:a16="http://schemas.microsoft.com/office/drawing/2014/main" id="{E2B2A3E3-7134-9C41-3227-71261083959E}"/>
-              </a:ext>
-            </a:extLst>
-          </p:cNvPr>
-          <p:cNvSpPr txBox="1"/>
-          <p:nvPr/>
-        </p:nvSpPr>
-        <p:spPr>
-          <a:xfrm>
-            <a:off x="5693753" y="3584368"/>
-            <a:ext cx="3016682" cy="3170099"/>
-          </a:xfrm>
-          <a:prstGeom prst="rect">
-            <a:avLst/>
-          </a:prstGeom>
-          <a:noFill/>
-          <a:ln w="19050">
+            </a:ln>
+          </p:spPr>
+          <p:txBody>
+            <a:bodyPr wrap="square" rtlCol="0">
+              <a:spAutoFit/>
+            </a:bodyPr>
+            <a:lstStyle/>
+            <a:p>
+              <a:r>
+                <a:rPr lang="en-US" dirty="0"/>
+                <a:t>Bethel</a:t>
+              </a:r>
+            </a:p>
+          </p:txBody>
+        </p:sp>
+        <p:sp>
+          <p:nvSpPr>
+            <p:cNvPr id="96" name="TextBox 95"/>
+            <p:cNvSpPr txBox="1"/>
+            <p:nvPr/>
+          </p:nvSpPr>
+          <p:spPr>
+            <a:xfrm>
+              <a:off x="5906910" y="901832"/>
+              <a:ext cx="1235904" cy="584775"/>
+            </a:xfrm>
+            <a:prstGeom prst="rect">
+              <a:avLst/>
+            </a:prstGeom>
             <a:solidFill>
+              <a:schemeClr val="bg1"/>
+            </a:solidFill>
+            <a:ln>
+              <a:solidFill>
+                <a:srgbClr val="0033CC"/>
+              </a:solidFill>
+            </a:ln>
+          </p:spPr>
+          <p:style>
+            <a:lnRef idx="2">
+              <a:schemeClr val="accent1"/>
+            </a:lnRef>
+            <a:fillRef idx="1">
+              <a:schemeClr val="lt1"/>
+            </a:fillRef>
+            <a:effectRef idx="0">
+              <a:schemeClr val="accent1"/>
+            </a:effectRef>
+            <a:fontRef idx="minor">
+              <a:schemeClr val="dk1"/>
+            </a:fontRef>
+          </p:style>
+          <p:txBody>
+            <a:bodyPr wrap="square" rtlCol="0">
+              <a:spAutoFit/>
+            </a:bodyPr>
+            <a:lstStyle/>
+            <a:p>
+              <a:r>
+                <a:rPr lang="en-US" sz="1600" dirty="0" err="1">
+                  <a:solidFill>
+                    <a:srgbClr val="0033CC"/>
+                  </a:solidFill>
+                </a:rPr>
+                <a:t>Kalskag</a:t>
+              </a:r>
+              <a:r>
+                <a:rPr lang="en-US" sz="1600" dirty="0">
+                  <a:solidFill>
+                    <a:srgbClr val="0033CC"/>
+                  </a:solidFill>
+                </a:rPr>
+                <a:t> MR</a:t>
+              </a:r>
+            </a:p>
+            <a:p>
+              <a:r>
+                <a:rPr lang="en-US" sz="1600" dirty="0" err="1"/>
+                <a:t>MR</a:t>
+              </a:r>
+              <a:r>
+                <a:rPr lang="en-US" sz="1600" baseline="-25000" dirty="0" err="1"/>
+                <a:t>y</a:t>
+              </a:r>
+              <a:r>
+                <a:rPr lang="en-US" sz="1600" dirty="0"/>
+                <a:t> = </a:t>
+              </a:r>
+              <a:r>
+                <a:rPr lang="en-US" sz="1600" dirty="0" err="1"/>
+                <a:t>mqE</a:t>
+              </a:r>
+              <a:r>
+                <a:rPr lang="en-US" sz="1600" baseline="-25000" dirty="0" err="1"/>
+                <a:t>y</a:t>
+              </a:r>
+              <a:endParaRPr lang="en-US" sz="1600" dirty="0"/>
+            </a:p>
+          </p:txBody>
+        </p:sp>
+        <p:sp>
+          <p:nvSpPr>
+            <p:cNvPr id="108" name="TextBox 107"/>
+            <p:cNvSpPr txBox="1"/>
+            <p:nvPr/>
+          </p:nvSpPr>
+          <p:spPr>
+            <a:xfrm>
+              <a:off x="3281967" y="2862549"/>
+              <a:ext cx="1110899" cy="584775"/>
+            </a:xfrm>
+            <a:prstGeom prst="rect">
+              <a:avLst/>
+            </a:prstGeom>
+            <a:solidFill>
+              <a:schemeClr val="bg1"/>
+            </a:solidFill>
+            <a:ln>
+              <a:solidFill>
+                <a:srgbClr val="0033CC"/>
+              </a:solidFill>
+            </a:ln>
+          </p:spPr>
+          <p:style>
+            <a:lnRef idx="2">
+              <a:schemeClr val="accent1"/>
+            </a:lnRef>
+            <a:fillRef idx="1">
+              <a:schemeClr val="lt1"/>
+            </a:fillRef>
+            <a:effectRef idx="0">
+              <a:schemeClr val="accent1"/>
+            </a:effectRef>
+            <a:fontRef idx="minor">
+              <a:schemeClr val="dk1"/>
+            </a:fontRef>
+          </p:style>
+          <p:txBody>
+            <a:bodyPr wrap="square" rtlCol="0">
+              <a:spAutoFit/>
+            </a:bodyPr>
+            <a:lstStyle/>
+            <a:p>
+              <a:r>
+                <a:rPr lang="en-US" sz="1600" dirty="0">
+                  <a:solidFill>
+                    <a:srgbClr val="0033CC"/>
+                  </a:solidFill>
+                </a:rPr>
+                <a:t>Sonar</a:t>
+              </a:r>
+            </a:p>
+            <a:p>
+              <a:r>
+                <a:rPr lang="en-US" sz="1600" dirty="0"/>
+                <a:t>S</a:t>
+              </a:r>
+              <a:r>
+                <a:rPr lang="en-US" sz="1600" baseline="-25000" dirty="0"/>
+                <a:t>y</a:t>
+              </a:r>
+              <a:r>
+                <a:rPr lang="en-US" sz="1600" dirty="0"/>
+                <a:t> = </a:t>
+              </a:r>
+              <a:r>
+                <a:rPr lang="en-US" sz="1600" dirty="0" err="1"/>
+                <a:t>psN</a:t>
+              </a:r>
+              <a:r>
+                <a:rPr lang="en-US" sz="1600" baseline="-25000" dirty="0" err="1"/>
+                <a:t>y,l</a:t>
+              </a:r>
+              <a:endParaRPr lang="en-US" sz="1600" dirty="0"/>
+            </a:p>
+          </p:txBody>
+        </p:sp>
+        <p:cxnSp>
+          <p:nvCxnSpPr>
+            <p:cNvPr id="109" name="Straight Arrow Connector 108"/>
+            <p:cNvCxnSpPr>
+              <a:cxnSpLocks/>
+              <a:endCxn id="14" idx="2"/>
+            </p:cNvCxnSpPr>
+            <p:nvPr/>
+          </p:nvCxnSpPr>
+          <p:spPr>
+            <a:xfrm flipV="1">
+              <a:off x="3781562" y="2505840"/>
+              <a:ext cx="553" cy="339458"/>
+            </a:xfrm>
+            <a:prstGeom prst="straightConnector1">
+              <a:avLst/>
+            </a:prstGeom>
+            <a:ln w="25400">
+              <a:solidFill>
+                <a:srgbClr val="0033CC"/>
+              </a:solidFill>
+              <a:tailEnd type="triangle"/>
+            </a:ln>
+          </p:spPr>
+          <p:style>
+            <a:lnRef idx="1">
+              <a:schemeClr val="accent1"/>
+            </a:lnRef>
+            <a:fillRef idx="0">
+              <a:schemeClr val="accent1"/>
+            </a:fillRef>
+            <a:effectRef idx="0">
+              <a:schemeClr val="accent1"/>
+            </a:effectRef>
+            <a:fontRef idx="minor">
               <a:schemeClr val="tx1"/>
-            </a:solidFill>
-          </a:ln>
-        </p:spPr>
-        <p:txBody>
-          <a:bodyPr wrap="square" rtlCol="0">
-            <a:spAutoFit/>
-          </a:bodyPr>
-          <a:lstStyle/>
-          <a:p>
-            <a:r>
-              <a:rPr lang="en-US" sz="1600" dirty="0"/>
-              <a:t>Escapements (</a:t>
-            </a:r>
-            <a:r>
-              <a:rPr lang="en-US" sz="1600" dirty="0" err="1"/>
-              <a:t>e</a:t>
-            </a:r>
-            <a:r>
-              <a:rPr lang="en-US" sz="1600" baseline="-25000" dirty="0" err="1"/>
-              <a:t>i,j</a:t>
-            </a:r>
-            <a:r>
-              <a:rPr lang="en-US" sz="1600" dirty="0"/>
-              <a:t>) </a:t>
-            </a:r>
-          </a:p>
-          <a:p>
-            <a:r>
-              <a:rPr lang="en-US" sz="1600" dirty="0"/>
-              <a:t>Aerial                    Weir</a:t>
-            </a:r>
-          </a:p>
-          <a:p>
-            <a:r>
-              <a:rPr lang="en-US" sz="1400" b="1" dirty="0" err="1"/>
-              <a:t>Kwethluk</a:t>
-            </a:r>
-            <a:r>
-              <a:rPr lang="en-US" sz="1400" dirty="0"/>
-              <a:t>	            </a:t>
-            </a:r>
-            <a:r>
-              <a:rPr lang="en-US" sz="1400" b="1" dirty="0" err="1"/>
-              <a:t>Kwethluk</a:t>
-            </a:r>
-            <a:endParaRPr lang="en-US" sz="1400" b="1" dirty="0"/>
-          </a:p>
-          <a:p>
-            <a:r>
-              <a:rPr lang="en-US" sz="1400" dirty="0" err="1"/>
-              <a:t>Kisaralik</a:t>
-            </a:r>
-            <a:r>
-              <a:rPr lang="en-US" sz="1400" dirty="0"/>
-              <a:t>                    </a:t>
-            </a:r>
-            <a:r>
-              <a:rPr lang="en-US" sz="1400" b="1" dirty="0" err="1"/>
-              <a:t>Tuluksak</a:t>
-            </a:r>
-            <a:endParaRPr lang="en-US" sz="1400" b="1" dirty="0"/>
-          </a:p>
-          <a:p>
-            <a:r>
-              <a:rPr lang="en-US" sz="1400" b="1" dirty="0" err="1"/>
-              <a:t>Tuluksak</a:t>
-            </a:r>
-            <a:r>
-              <a:rPr lang="en-US" sz="1400" b="1" dirty="0"/>
-              <a:t>  </a:t>
-            </a:r>
-            <a:r>
-              <a:rPr lang="en-US" sz="1400" dirty="0"/>
-              <a:t>                  George</a:t>
-            </a:r>
-          </a:p>
-          <a:p>
-            <a:r>
-              <a:rPr lang="en-US" sz="1400" dirty="0" err="1"/>
-              <a:t>Aniak</a:t>
-            </a:r>
-            <a:r>
-              <a:rPr lang="en-US" sz="1400" dirty="0"/>
-              <a:t> : salmon         </a:t>
-            </a:r>
-            <a:r>
-              <a:rPr lang="en-US" sz="1400" dirty="0" err="1"/>
-              <a:t>Kogrukluk</a:t>
-            </a:r>
-            <a:endParaRPr lang="en-US" sz="1400" dirty="0"/>
-          </a:p>
-          <a:p>
-            <a:r>
-              <a:rPr lang="en-US" sz="1400" dirty="0" err="1"/>
-              <a:t>Holokuk</a:t>
-            </a:r>
-            <a:r>
-              <a:rPr lang="en-US" sz="1400" dirty="0"/>
-              <a:t>                    </a:t>
-            </a:r>
-            <a:r>
-              <a:rPr lang="en-US" sz="1400" dirty="0" err="1"/>
-              <a:t>Tatlawiksuk</a:t>
-            </a:r>
-            <a:endParaRPr lang="en-US" sz="1400" dirty="0"/>
-          </a:p>
-          <a:p>
-            <a:r>
-              <a:rPr lang="en-US" sz="1400" dirty="0" err="1"/>
-              <a:t>Oskawalik</a:t>
-            </a:r>
-            <a:r>
-              <a:rPr lang="en-US" sz="1400" dirty="0"/>
-              <a:t>                 </a:t>
-            </a:r>
-            <a:r>
-              <a:rPr lang="en-US" sz="1400" dirty="0" err="1"/>
-              <a:t>Takotna</a:t>
-            </a:r>
-            <a:endParaRPr lang="en-US" sz="1400" dirty="0"/>
-          </a:p>
-          <a:p>
-            <a:r>
-              <a:rPr lang="en-US" sz="1400" dirty="0" err="1"/>
-              <a:t>Holitna</a:t>
-            </a:r>
-            <a:r>
-              <a:rPr lang="en-US" sz="1400" dirty="0"/>
-              <a:t>	            </a:t>
-            </a:r>
-            <a:r>
-              <a:rPr lang="en-US" sz="1400" b="1" dirty="0">
-                <a:solidFill>
-                  <a:srgbClr val="FF0000"/>
-                </a:solidFill>
-              </a:rPr>
-              <a:t>Aniak</a:t>
-            </a:r>
-          </a:p>
-          <a:p>
-            <a:r>
-              <a:rPr lang="en-US" sz="1400" dirty="0" err="1"/>
-              <a:t>Cheeneetnuk</a:t>
-            </a:r>
-            <a:r>
-              <a:rPr lang="en-US" sz="1400" dirty="0"/>
-              <a:t>           </a:t>
-            </a:r>
-            <a:r>
-              <a:rPr lang="en-US" sz="1400" dirty="0">
-                <a:solidFill>
-                  <a:srgbClr val="FF0000"/>
-                </a:solidFill>
-              </a:rPr>
-              <a:t>Pitka</a:t>
-            </a:r>
-          </a:p>
-          <a:p>
-            <a:r>
-              <a:rPr lang="en-US" sz="1400" dirty="0" err="1"/>
-              <a:t>Gagaryah</a:t>
-            </a:r>
-            <a:endParaRPr lang="en-US" sz="1400" dirty="0"/>
-          </a:p>
-          <a:p>
-            <a:r>
-              <a:rPr lang="en-US" sz="1400" dirty="0"/>
-              <a:t>Pitka</a:t>
-            </a:r>
-          </a:p>
-          <a:p>
-            <a:r>
-              <a:rPr lang="en-US" sz="1400" dirty="0"/>
-              <a:t>Bear                            </a:t>
-            </a:r>
-          </a:p>
-          <a:p>
-            <a:r>
-              <a:rPr lang="en-US" sz="1400" dirty="0"/>
-              <a:t>Pitka: Salmon           </a:t>
-            </a:r>
-            <a:endParaRPr lang="en-US" sz="1600" dirty="0"/>
-          </a:p>
-        </p:txBody>
-      </p:sp>
-      <p:cxnSp>
-        <p:nvCxnSpPr>
-          <p:cNvPr id="21" name="Straight Arrow Connector 20">
-            <a:extLst>
-              <a:ext uri="{FF2B5EF4-FFF2-40B4-BE49-F238E27FC236}">
-                <a16:creationId xmlns:a16="http://schemas.microsoft.com/office/drawing/2014/main" id="{6F92E469-E8C1-4A71-3E1F-4F03B834AAEC}"/>
-              </a:ext>
-            </a:extLst>
-          </p:cNvPr>
-          <p:cNvCxnSpPr>
-            <a:cxnSpLocks/>
-          </p:cNvCxnSpPr>
-          <p:nvPr/>
-        </p:nvCxnSpPr>
-        <p:spPr>
-          <a:xfrm>
-            <a:off x="6524163" y="1469800"/>
-            <a:ext cx="0" cy="705064"/>
-          </a:xfrm>
-          <a:prstGeom prst="straightConnector1">
-            <a:avLst/>
-          </a:prstGeom>
-          <a:ln w="25400">
-            <a:solidFill>
-              <a:srgbClr val="0033CC"/>
-            </a:solidFill>
-            <a:tailEnd type="triangle"/>
-          </a:ln>
-        </p:spPr>
-        <p:style>
-          <a:lnRef idx="1">
-            <a:schemeClr val="accent1"/>
-          </a:lnRef>
-          <a:fillRef idx="0">
-            <a:schemeClr val="accent1"/>
-          </a:fillRef>
-          <a:effectRef idx="0">
-            <a:schemeClr val="accent1"/>
-          </a:effectRef>
-          <a:fontRef idx="minor">
-            <a:schemeClr val="tx1"/>
-          </a:fontRef>
-        </p:style>
-      </p:cxnSp>
-      <p:sp>
-        <p:nvSpPr>
-          <p:cNvPr id="31" name="TextBox 30">
-            <a:extLst>
-              <a:ext uri="{FF2B5EF4-FFF2-40B4-BE49-F238E27FC236}">
-                <a16:creationId xmlns:a16="http://schemas.microsoft.com/office/drawing/2014/main" id="{C41BF470-1C8D-0098-054C-451D8EA571BA}"/>
-              </a:ext>
-            </a:extLst>
-          </p:cNvPr>
-          <p:cNvSpPr txBox="1"/>
-          <p:nvPr/>
-        </p:nvSpPr>
-        <p:spPr>
-          <a:xfrm>
-            <a:off x="467666" y="3891124"/>
-            <a:ext cx="1359549" cy="584775"/>
-          </a:xfrm>
-          <a:prstGeom prst="rect">
-            <a:avLst/>
-          </a:prstGeom>
-          <a:noFill/>
-          <a:ln w="19050">
-            <a:solidFill>
+            </a:fontRef>
+          </p:style>
+        </p:cxnSp>
+        <p:cxnSp>
+          <p:nvCxnSpPr>
+            <p:cNvPr id="112" name="Straight Arrow Connector 111"/>
+            <p:cNvCxnSpPr/>
+            <p:nvPr/>
+          </p:nvCxnSpPr>
+          <p:spPr>
+            <a:xfrm>
+              <a:off x="1775137" y="1445183"/>
+              <a:ext cx="399265" cy="745791"/>
+            </a:xfrm>
+            <a:prstGeom prst="straightConnector1">
+              <a:avLst/>
+            </a:prstGeom>
+            <a:ln w="25400">
+              <a:solidFill>
+                <a:schemeClr val="tx1"/>
+              </a:solidFill>
+              <a:tailEnd type="triangle"/>
+            </a:ln>
+          </p:spPr>
+          <p:style>
+            <a:lnRef idx="1">
+              <a:schemeClr val="accent1"/>
+            </a:lnRef>
+            <a:fillRef idx="0">
+              <a:schemeClr val="accent1"/>
+            </a:fillRef>
+            <a:effectRef idx="0">
+              <a:schemeClr val="accent1"/>
+            </a:effectRef>
+            <a:fontRef idx="minor">
               <a:schemeClr val="tx1"/>
-            </a:solidFill>
-            <a:prstDash val="dash"/>
-          </a:ln>
-        </p:spPr>
-        <p:txBody>
-          <a:bodyPr wrap="square" lIns="0" rIns="0" rtlCol="0">
-            <a:spAutoFit/>
-          </a:bodyPr>
-          <a:lstStyle/>
-          <a:p>
-            <a:pPr algn="ctr"/>
-            <a:r>
-              <a:rPr lang="en-US" sz="1600" dirty="0"/>
-              <a:t>Kuskokwim</a:t>
-            </a:r>
-          </a:p>
-          <a:p>
-            <a:pPr algn="ctr"/>
-            <a:r>
-              <a:rPr lang="en-US" sz="1600" dirty="0"/>
-              <a:t> Run </a:t>
-            </a:r>
-          </a:p>
-        </p:txBody>
-      </p:sp>
-      <p:cxnSp>
-        <p:nvCxnSpPr>
-          <p:cNvPr id="36" name="Straight Arrow Connector 35">
-            <a:extLst>
-              <a:ext uri="{FF2B5EF4-FFF2-40B4-BE49-F238E27FC236}">
-                <a16:creationId xmlns:a16="http://schemas.microsoft.com/office/drawing/2014/main" id="{5CB0F52E-9774-4D40-2ABA-1DD2747473F9}"/>
-              </a:ext>
-            </a:extLst>
-          </p:cNvPr>
-          <p:cNvCxnSpPr>
-            <a:cxnSpLocks/>
-          </p:cNvCxnSpPr>
-          <p:nvPr/>
-        </p:nvCxnSpPr>
-        <p:spPr>
-          <a:xfrm flipV="1">
-            <a:off x="1196267" y="2379019"/>
-            <a:ext cx="0" cy="1512105"/>
-          </a:xfrm>
-          <a:prstGeom prst="straightConnector1">
-            <a:avLst/>
-          </a:prstGeom>
-          <a:ln w="25400">
-            <a:solidFill>
+            </a:fontRef>
+          </p:style>
+        </p:cxnSp>
+        <p:sp>
+          <p:nvSpPr>
+            <p:cNvPr id="3" name="TextBox 2">
+              <a:extLst>
+                <a:ext uri="{FF2B5EF4-FFF2-40B4-BE49-F238E27FC236}">
+                  <a16:creationId xmlns:a16="http://schemas.microsoft.com/office/drawing/2014/main" id="{0C0FFD25-92AD-255E-5305-ABC8E5311E3C}"/>
+                </a:ext>
+              </a:extLst>
+            </p:cNvPr>
+            <p:cNvSpPr txBox="1"/>
+            <p:nvPr/>
+          </p:nvSpPr>
+          <p:spPr>
+            <a:xfrm>
+              <a:off x="461931" y="803537"/>
+              <a:ext cx="1468672" cy="646331"/>
+            </a:xfrm>
+            <a:prstGeom prst="rect">
+              <a:avLst/>
+            </a:prstGeom>
+            <a:ln/>
+          </p:spPr>
+          <p:style>
+            <a:lnRef idx="2">
+              <a:schemeClr val="accent1"/>
+            </a:lnRef>
+            <a:fillRef idx="1">
+              <a:schemeClr val="lt1"/>
+            </a:fillRef>
+            <a:effectRef idx="0">
+              <a:schemeClr val="accent1"/>
+            </a:effectRef>
+            <a:fontRef idx="minor">
+              <a:schemeClr val="dk1"/>
+            </a:fontRef>
+          </p:style>
+          <p:txBody>
+            <a:bodyPr wrap="none" rtlCol="0">
+              <a:spAutoFit/>
+            </a:bodyPr>
+            <a:lstStyle/>
+            <a:p>
+              <a:r>
+                <a:rPr lang="en-US" dirty="0">
+                  <a:solidFill>
+                    <a:srgbClr val="0033CC"/>
+                  </a:solidFill>
+                </a:rPr>
+                <a:t>Com CPUE</a:t>
+              </a:r>
+            </a:p>
+            <a:p>
+              <a:r>
+                <a:rPr lang="en-US" dirty="0">
+                  <a:solidFill>
+                    <a:srgbClr val="0033CC"/>
+                  </a:solidFill>
+                </a:rPr>
+                <a:t>N</a:t>
+              </a:r>
+              <a:r>
+                <a:rPr lang="en-US" baseline="-25000" dirty="0">
+                  <a:solidFill>
+                    <a:srgbClr val="0033CC"/>
+                  </a:solidFill>
+                </a:rPr>
+                <a:t>y</a:t>
+              </a:r>
+              <a:r>
+                <a:rPr lang="en-US" dirty="0">
+                  <a:solidFill>
+                    <a:srgbClr val="0033CC"/>
+                  </a:solidFill>
+                </a:rPr>
+                <a:t> = </a:t>
+              </a:r>
+              <a:r>
+                <a:rPr lang="en-US" b="1" dirty="0">
+                  <a:solidFill>
+                    <a:srgbClr val="FF0000"/>
+                  </a:solidFill>
+                </a:rPr>
+                <a:t>q</a:t>
+              </a:r>
+              <a:r>
+                <a:rPr lang="en-US" b="1" baseline="-25000" dirty="0">
+                  <a:solidFill>
+                    <a:srgbClr val="FF0000"/>
+                  </a:solidFill>
+                </a:rPr>
+                <a:t>i</a:t>
+              </a:r>
+              <a:r>
+                <a:rPr lang="en-US" b="1" baseline="-25000" dirty="0">
+                  <a:solidFill>
+                    <a:srgbClr val="0033CC"/>
+                  </a:solidFill>
+                </a:rPr>
+                <a:t>*</a:t>
+              </a:r>
+              <a:r>
+                <a:rPr lang="en-US" dirty="0" err="1">
+                  <a:solidFill>
+                    <a:srgbClr val="0033CC"/>
+                  </a:solidFill>
+                </a:rPr>
+                <a:t>CPUE</a:t>
+              </a:r>
+              <a:r>
+                <a:rPr lang="en-US" baseline="-25000" dirty="0" err="1">
+                  <a:solidFill>
+                    <a:srgbClr val="0033CC"/>
+                  </a:solidFill>
+                </a:rPr>
+                <a:t>k</a:t>
+              </a:r>
+              <a:endParaRPr lang="en-US" baseline="-25000" dirty="0">
+                <a:solidFill>
+                  <a:srgbClr val="0033CC"/>
+                </a:solidFill>
+              </a:endParaRPr>
+            </a:p>
+          </p:txBody>
+        </p:sp>
+        <p:sp>
+          <p:nvSpPr>
+            <p:cNvPr id="7" name="TextBox 6">
+              <a:extLst>
+                <a:ext uri="{FF2B5EF4-FFF2-40B4-BE49-F238E27FC236}">
+                  <a16:creationId xmlns:a16="http://schemas.microsoft.com/office/drawing/2014/main" id="{E2B2A3E3-7134-9C41-3227-71261083959E}"/>
+                </a:ext>
+              </a:extLst>
+            </p:cNvPr>
+            <p:cNvSpPr txBox="1"/>
+            <p:nvPr/>
+          </p:nvSpPr>
+          <p:spPr>
+            <a:xfrm>
+              <a:off x="5693753" y="3584368"/>
+              <a:ext cx="3016682" cy="3170099"/>
+            </a:xfrm>
+            <a:prstGeom prst="rect">
+              <a:avLst/>
+            </a:prstGeom>
+            <a:noFill/>
+            <a:ln w="19050">
+              <a:solidFill>
+                <a:schemeClr val="tx1"/>
+              </a:solidFill>
+            </a:ln>
+          </p:spPr>
+          <p:txBody>
+            <a:bodyPr wrap="square" rtlCol="0">
+              <a:spAutoFit/>
+            </a:bodyPr>
+            <a:lstStyle/>
+            <a:p>
+              <a:r>
+                <a:rPr lang="en-US" sz="1600" dirty="0"/>
+                <a:t>Escapements (</a:t>
+              </a:r>
+              <a:r>
+                <a:rPr lang="en-US" sz="1600" dirty="0" err="1"/>
+                <a:t>e</a:t>
+              </a:r>
+              <a:r>
+                <a:rPr lang="en-US" sz="1600" baseline="-25000" dirty="0" err="1"/>
+                <a:t>i,j</a:t>
+              </a:r>
+              <a:r>
+                <a:rPr lang="en-US" sz="1600" dirty="0"/>
+                <a:t>) </a:t>
+              </a:r>
+            </a:p>
+            <a:p>
+              <a:r>
+                <a:rPr lang="en-US" sz="1600" dirty="0"/>
+                <a:t>Aerial                    Weir</a:t>
+              </a:r>
+            </a:p>
+            <a:p>
+              <a:r>
+                <a:rPr lang="en-US" sz="1400" b="1" dirty="0" err="1"/>
+                <a:t>Kwethluk</a:t>
+              </a:r>
+              <a:r>
+                <a:rPr lang="en-US" sz="1400" dirty="0"/>
+                <a:t>	            </a:t>
+              </a:r>
+              <a:r>
+                <a:rPr lang="en-US" sz="1400" b="1" dirty="0" err="1"/>
+                <a:t>Kwethluk</a:t>
+              </a:r>
+              <a:endParaRPr lang="en-US" sz="1400" b="1" dirty="0"/>
+            </a:p>
+            <a:p>
+              <a:r>
+                <a:rPr lang="en-US" sz="1400" dirty="0" err="1"/>
+                <a:t>Kisaralik</a:t>
+              </a:r>
+              <a:r>
+                <a:rPr lang="en-US" sz="1400" dirty="0"/>
+                <a:t>                    </a:t>
+              </a:r>
+              <a:r>
+                <a:rPr lang="en-US" sz="1400" b="1" dirty="0" err="1"/>
+                <a:t>Tuluksak</a:t>
+              </a:r>
+              <a:endParaRPr lang="en-US" sz="1400" b="1" dirty="0"/>
+            </a:p>
+            <a:p>
+              <a:r>
+                <a:rPr lang="en-US" sz="1400" b="1" dirty="0" err="1"/>
+                <a:t>Tuluksak</a:t>
+              </a:r>
+              <a:r>
+                <a:rPr lang="en-US" sz="1400" b="1" dirty="0"/>
+                <a:t>  </a:t>
+              </a:r>
+              <a:r>
+                <a:rPr lang="en-US" sz="1400" dirty="0"/>
+                <a:t>                  George</a:t>
+              </a:r>
+            </a:p>
+            <a:p>
+              <a:r>
+                <a:rPr lang="en-US" sz="1400" dirty="0" err="1"/>
+                <a:t>Aniak</a:t>
+              </a:r>
+              <a:r>
+                <a:rPr lang="en-US" sz="1400" dirty="0"/>
+                <a:t> : salmon         </a:t>
+              </a:r>
+              <a:r>
+                <a:rPr lang="en-US" sz="1400" dirty="0" err="1"/>
+                <a:t>Kogrukluk</a:t>
+              </a:r>
+              <a:endParaRPr lang="en-US" sz="1400" dirty="0"/>
+            </a:p>
+            <a:p>
+              <a:r>
+                <a:rPr lang="en-US" sz="1400" dirty="0" err="1"/>
+                <a:t>Holokuk</a:t>
+              </a:r>
+              <a:r>
+                <a:rPr lang="en-US" sz="1400" dirty="0"/>
+                <a:t>                    </a:t>
+              </a:r>
+              <a:r>
+                <a:rPr lang="en-US" sz="1400" dirty="0" err="1"/>
+                <a:t>Tatlawiksuk</a:t>
+              </a:r>
+              <a:endParaRPr lang="en-US" sz="1400" dirty="0"/>
+            </a:p>
+            <a:p>
+              <a:r>
+                <a:rPr lang="en-US" sz="1400" dirty="0" err="1"/>
+                <a:t>Oskawalik</a:t>
+              </a:r>
+              <a:r>
+                <a:rPr lang="en-US" sz="1400" dirty="0"/>
+                <a:t>                 </a:t>
+              </a:r>
+              <a:r>
+                <a:rPr lang="en-US" sz="1400" dirty="0" err="1"/>
+                <a:t>Takotna</a:t>
+              </a:r>
+              <a:endParaRPr lang="en-US" sz="1400" dirty="0"/>
+            </a:p>
+            <a:p>
+              <a:r>
+                <a:rPr lang="en-US" sz="1400" dirty="0" err="1"/>
+                <a:t>Holitna</a:t>
+              </a:r>
+              <a:r>
+                <a:rPr lang="en-US" sz="1400" dirty="0"/>
+                <a:t>	            </a:t>
+              </a:r>
+              <a:r>
+                <a:rPr lang="en-US" sz="1400" b="1" dirty="0">
+                  <a:solidFill>
+                    <a:srgbClr val="FF0000"/>
+                  </a:solidFill>
+                </a:rPr>
+                <a:t>Aniak</a:t>
+              </a:r>
+            </a:p>
+            <a:p>
+              <a:r>
+                <a:rPr lang="en-US" sz="1400" dirty="0" err="1"/>
+                <a:t>Cheeneetnuk</a:t>
+              </a:r>
+              <a:r>
+                <a:rPr lang="en-US" sz="1400" dirty="0"/>
+                <a:t>           </a:t>
+              </a:r>
+              <a:r>
+                <a:rPr lang="en-US" sz="1400" dirty="0">
+                  <a:solidFill>
+                    <a:srgbClr val="FF0000"/>
+                  </a:solidFill>
+                </a:rPr>
+                <a:t>Pitka</a:t>
+              </a:r>
+            </a:p>
+            <a:p>
+              <a:r>
+                <a:rPr lang="en-US" sz="1400" dirty="0" err="1"/>
+                <a:t>Gagaryah</a:t>
+              </a:r>
+              <a:endParaRPr lang="en-US" sz="1400" dirty="0"/>
+            </a:p>
+            <a:p>
+              <a:r>
+                <a:rPr lang="en-US" sz="1400" dirty="0"/>
+                <a:t>Pitka</a:t>
+              </a:r>
+            </a:p>
+            <a:p>
+              <a:r>
+                <a:rPr lang="en-US" sz="1400" dirty="0"/>
+                <a:t>Bear                            </a:t>
+              </a:r>
+            </a:p>
+            <a:p>
+              <a:r>
+                <a:rPr lang="en-US" sz="1400" dirty="0"/>
+                <a:t>Pitka: Salmon           </a:t>
+              </a:r>
+              <a:endParaRPr lang="en-US" sz="1600" dirty="0"/>
+            </a:p>
+          </p:txBody>
+        </p:sp>
+        <p:cxnSp>
+          <p:nvCxnSpPr>
+            <p:cNvPr id="21" name="Straight Arrow Connector 20">
+              <a:extLst>
+                <a:ext uri="{FF2B5EF4-FFF2-40B4-BE49-F238E27FC236}">
+                  <a16:creationId xmlns:a16="http://schemas.microsoft.com/office/drawing/2014/main" id="{6F92E469-E8C1-4A71-3E1F-4F03B834AAEC}"/>
+                </a:ext>
+              </a:extLst>
+            </p:cNvPr>
+            <p:cNvCxnSpPr>
+              <a:cxnSpLocks/>
+            </p:cNvCxnSpPr>
+            <p:nvPr/>
+          </p:nvCxnSpPr>
+          <p:spPr>
+            <a:xfrm>
+              <a:off x="6524163" y="1469800"/>
+              <a:ext cx="0" cy="705064"/>
+            </a:xfrm>
+            <a:prstGeom prst="straightConnector1">
+              <a:avLst/>
+            </a:prstGeom>
+            <a:ln w="25400">
+              <a:solidFill>
+                <a:srgbClr val="0033CC"/>
+              </a:solidFill>
+              <a:tailEnd type="triangle"/>
+            </a:ln>
+          </p:spPr>
+          <p:style>
+            <a:lnRef idx="1">
+              <a:schemeClr val="accent1"/>
+            </a:lnRef>
+            <a:fillRef idx="0">
+              <a:schemeClr val="accent1"/>
+            </a:fillRef>
+            <a:effectRef idx="0">
+              <a:schemeClr val="accent1"/>
+            </a:effectRef>
+            <a:fontRef idx="minor">
               <a:schemeClr val="tx1"/>
-            </a:solidFill>
-            <a:tailEnd type="triangle"/>
-          </a:ln>
-        </p:spPr>
-        <p:style>
-          <a:lnRef idx="1">
-            <a:schemeClr val="accent1"/>
-          </a:lnRef>
-          <a:fillRef idx="0">
-            <a:schemeClr val="accent1"/>
-          </a:fillRef>
-          <a:effectRef idx="0">
-            <a:schemeClr val="accent1"/>
-          </a:effectRef>
-          <a:fontRef idx="minor">
-            <a:schemeClr val="tx1"/>
-          </a:fontRef>
-        </p:style>
-      </p:cxnSp>
-      <p:cxnSp>
-        <p:nvCxnSpPr>
-          <p:cNvPr id="39" name="Straight Arrow Connector 38">
-            <a:extLst>
-              <a:ext uri="{FF2B5EF4-FFF2-40B4-BE49-F238E27FC236}">
-                <a16:creationId xmlns:a16="http://schemas.microsoft.com/office/drawing/2014/main" id="{79640F07-EF9A-A1F5-7C06-B21028B7B279}"/>
-              </a:ext>
-            </a:extLst>
-          </p:cNvPr>
-          <p:cNvCxnSpPr>
-            <a:cxnSpLocks/>
-          </p:cNvCxnSpPr>
-          <p:nvPr/>
-        </p:nvCxnSpPr>
-        <p:spPr>
-          <a:xfrm flipH="1">
-            <a:off x="857641" y="3154936"/>
-            <a:ext cx="338626" cy="0"/>
-          </a:xfrm>
-          <a:prstGeom prst="straightConnector1">
-            <a:avLst/>
-          </a:prstGeom>
-          <a:ln w="25400">
-            <a:solidFill>
+            </a:fontRef>
+          </p:style>
+        </p:cxnSp>
+        <p:sp>
+          <p:nvSpPr>
+            <p:cNvPr id="31" name="TextBox 30">
+              <a:extLst>
+                <a:ext uri="{FF2B5EF4-FFF2-40B4-BE49-F238E27FC236}">
+                  <a16:creationId xmlns:a16="http://schemas.microsoft.com/office/drawing/2014/main" id="{C41BF470-1C8D-0098-054C-451D8EA571BA}"/>
+                </a:ext>
+              </a:extLst>
+            </p:cNvPr>
+            <p:cNvSpPr txBox="1"/>
+            <p:nvPr/>
+          </p:nvSpPr>
+          <p:spPr>
+            <a:xfrm>
+              <a:off x="467666" y="3891124"/>
+              <a:ext cx="1359549" cy="584775"/>
+            </a:xfrm>
+            <a:prstGeom prst="rect">
+              <a:avLst/>
+            </a:prstGeom>
+            <a:noFill/>
+            <a:ln w="19050">
+              <a:solidFill>
+                <a:schemeClr val="tx1"/>
+              </a:solidFill>
+              <a:prstDash val="dash"/>
+            </a:ln>
+          </p:spPr>
+          <p:txBody>
+            <a:bodyPr wrap="square" lIns="0" rIns="0" rtlCol="0">
+              <a:spAutoFit/>
+            </a:bodyPr>
+            <a:lstStyle/>
+            <a:p>
+              <a:pPr algn="ctr"/>
+              <a:r>
+                <a:rPr lang="en-US" sz="1600" dirty="0"/>
+                <a:t>Kuskokwim</a:t>
+              </a:r>
+            </a:p>
+            <a:p>
+              <a:pPr algn="ctr"/>
+              <a:r>
+                <a:rPr lang="en-US" sz="1600" dirty="0"/>
+                <a:t> Run </a:t>
+              </a:r>
+            </a:p>
+          </p:txBody>
+        </p:sp>
+        <p:cxnSp>
+          <p:nvCxnSpPr>
+            <p:cNvPr id="36" name="Straight Arrow Connector 35">
+              <a:extLst>
+                <a:ext uri="{FF2B5EF4-FFF2-40B4-BE49-F238E27FC236}">
+                  <a16:creationId xmlns:a16="http://schemas.microsoft.com/office/drawing/2014/main" id="{5CB0F52E-9774-4D40-2ABA-1DD2747473F9}"/>
+                </a:ext>
+              </a:extLst>
+            </p:cNvPr>
+            <p:cNvCxnSpPr>
+              <a:cxnSpLocks/>
+            </p:cNvCxnSpPr>
+            <p:nvPr/>
+          </p:nvCxnSpPr>
+          <p:spPr>
+            <a:xfrm flipV="1">
+              <a:off x="1196267" y="2379019"/>
+              <a:ext cx="0" cy="1512105"/>
+            </a:xfrm>
+            <a:prstGeom prst="straightConnector1">
+              <a:avLst/>
+            </a:prstGeom>
+            <a:ln w="25400">
+              <a:solidFill>
+                <a:schemeClr val="tx1"/>
+              </a:solidFill>
+              <a:tailEnd type="triangle"/>
+            </a:ln>
+          </p:spPr>
+          <p:style>
+            <a:lnRef idx="1">
+              <a:schemeClr val="accent1"/>
+            </a:lnRef>
+            <a:fillRef idx="0">
+              <a:schemeClr val="accent1"/>
+            </a:fillRef>
+            <a:effectRef idx="0">
+              <a:schemeClr val="accent1"/>
+            </a:effectRef>
+            <a:fontRef idx="minor">
               <a:schemeClr val="tx1"/>
-            </a:solidFill>
-            <a:tailEnd type="triangle"/>
-          </a:ln>
-        </p:spPr>
-        <p:style>
-          <a:lnRef idx="1">
-            <a:schemeClr val="accent1"/>
-          </a:lnRef>
-          <a:fillRef idx="0">
-            <a:schemeClr val="accent1"/>
-          </a:fillRef>
-          <a:effectRef idx="0">
-            <a:schemeClr val="accent1"/>
-          </a:effectRef>
-          <a:fontRef idx="minor">
-            <a:schemeClr val="tx1"/>
-          </a:fontRef>
-        </p:style>
-      </p:cxnSp>
-      <p:sp>
-        <p:nvSpPr>
-          <p:cNvPr id="43" name="TextBox 42">
-            <a:extLst>
-              <a:ext uri="{FF2B5EF4-FFF2-40B4-BE49-F238E27FC236}">
-                <a16:creationId xmlns:a16="http://schemas.microsoft.com/office/drawing/2014/main" id="{DBED7913-3218-3A0E-DD9D-E74EB25AC038}"/>
-              </a:ext>
-            </a:extLst>
-          </p:cNvPr>
-          <p:cNvSpPr txBox="1"/>
-          <p:nvPr/>
-        </p:nvSpPr>
-        <p:spPr>
-          <a:xfrm>
-            <a:off x="209967" y="2985659"/>
-            <a:ext cx="643403" cy="584775"/>
-          </a:xfrm>
-          <a:prstGeom prst="rect">
-            <a:avLst/>
-          </a:prstGeom>
-          <a:noFill/>
-          <a:ln w="19050">
-            <a:solidFill>
+            </a:fontRef>
+          </p:style>
+        </p:cxnSp>
+        <p:cxnSp>
+          <p:nvCxnSpPr>
+            <p:cNvPr id="39" name="Straight Arrow Connector 38">
+              <a:extLst>
+                <a:ext uri="{FF2B5EF4-FFF2-40B4-BE49-F238E27FC236}">
+                  <a16:creationId xmlns:a16="http://schemas.microsoft.com/office/drawing/2014/main" id="{79640F07-EF9A-A1F5-7C06-B21028B7B279}"/>
+                </a:ext>
+              </a:extLst>
+            </p:cNvPr>
+            <p:cNvCxnSpPr>
+              <a:cxnSpLocks/>
+            </p:cNvCxnSpPr>
+            <p:nvPr/>
+          </p:nvCxnSpPr>
+          <p:spPr>
+            <a:xfrm flipH="1">
+              <a:off x="857641" y="3154936"/>
+              <a:ext cx="338626" cy="0"/>
+            </a:xfrm>
+            <a:prstGeom prst="straightConnector1">
+              <a:avLst/>
+            </a:prstGeom>
+            <a:ln w="25400">
+              <a:solidFill>
+                <a:schemeClr val="tx1"/>
+              </a:solidFill>
+              <a:tailEnd type="triangle"/>
+            </a:ln>
+          </p:spPr>
+          <p:style>
+            <a:lnRef idx="1">
+              <a:schemeClr val="accent1"/>
+            </a:lnRef>
+            <a:fillRef idx="0">
+              <a:schemeClr val="accent1"/>
+            </a:fillRef>
+            <a:effectRef idx="0">
+              <a:schemeClr val="accent1"/>
+            </a:effectRef>
+            <a:fontRef idx="minor">
               <a:schemeClr val="tx1"/>
-            </a:solidFill>
-            <a:prstDash val="dash"/>
-          </a:ln>
-        </p:spPr>
-        <p:txBody>
-          <a:bodyPr wrap="square" rtlCol="0">
-            <a:spAutoFit/>
-          </a:bodyPr>
-          <a:lstStyle/>
-          <a:p>
-            <a:r>
-              <a:rPr lang="en-US" sz="1600" dirty="0"/>
-              <a:t>Eek</a:t>
-            </a:r>
-          </a:p>
-          <a:p>
-            <a:r>
-              <a:rPr lang="en-US" sz="1600" dirty="0"/>
-              <a:t>(E</a:t>
-            </a:r>
-            <a:r>
-              <a:rPr lang="en-US" sz="1600" baseline="-25000" dirty="0"/>
-              <a:t>ek</a:t>
-            </a:r>
-            <a:r>
-              <a:rPr lang="en-US" sz="1600" dirty="0"/>
-              <a:t>)</a:t>
-            </a:r>
-          </a:p>
-        </p:txBody>
-      </p:sp>
+            </a:fontRef>
+          </p:style>
+        </p:cxnSp>
+        <p:sp>
+          <p:nvSpPr>
+            <p:cNvPr id="43" name="TextBox 42">
+              <a:extLst>
+                <a:ext uri="{FF2B5EF4-FFF2-40B4-BE49-F238E27FC236}">
+                  <a16:creationId xmlns:a16="http://schemas.microsoft.com/office/drawing/2014/main" id="{DBED7913-3218-3A0E-DD9D-E74EB25AC038}"/>
+                </a:ext>
+              </a:extLst>
+            </p:cNvPr>
+            <p:cNvSpPr txBox="1"/>
+            <p:nvPr/>
+          </p:nvSpPr>
+          <p:spPr>
+            <a:xfrm>
+              <a:off x="209967" y="2985659"/>
+              <a:ext cx="643403" cy="584775"/>
+            </a:xfrm>
+            <a:prstGeom prst="rect">
+              <a:avLst/>
+            </a:prstGeom>
+            <a:noFill/>
+            <a:ln w="19050">
+              <a:solidFill>
+                <a:schemeClr val="tx1"/>
+              </a:solidFill>
+              <a:prstDash val="dash"/>
+            </a:ln>
+          </p:spPr>
+          <p:txBody>
+            <a:bodyPr wrap="square" rtlCol="0">
+              <a:spAutoFit/>
+            </a:bodyPr>
+            <a:lstStyle/>
+            <a:p>
+              <a:r>
+                <a:rPr lang="en-US" sz="1600" dirty="0"/>
+                <a:t>Eek</a:t>
+              </a:r>
+            </a:p>
+            <a:p>
+              <a:r>
+                <a:rPr lang="en-US" sz="1600" dirty="0"/>
+                <a:t>(E</a:t>
+              </a:r>
+              <a:r>
+                <a:rPr lang="en-US" sz="1600" baseline="-25000" dirty="0"/>
+                <a:t>ek</a:t>
+              </a:r>
+              <a:r>
+                <a:rPr lang="en-US" sz="1600" dirty="0"/>
+                <a:t>)</a:t>
+              </a:r>
+            </a:p>
+          </p:txBody>
+        </p:sp>
+      </p:grpSp>
     </p:spTree>
     <p:extLst>
       <p:ext uri="{BB962C8B-B14F-4D97-AF65-F5344CB8AC3E}">
